--- a/Slides/SDHCALReport20170719.pptx
+++ b/Slides/SDHCALReport20170719.pptx
@@ -6,11 +6,11 @@
   </p:sldMasterIdLst>
   <p:sldIdLst>
     <p:sldId id="256" r:id="rId2"/>
-    <p:sldId id="257" r:id="rId3"/>
-    <p:sldId id="258" r:id="rId4"/>
-    <p:sldId id="259" r:id="rId5"/>
+    <p:sldId id="259" r:id="rId3"/>
+    <p:sldId id="261" r:id="rId4"/>
+    <p:sldId id="257" r:id="rId5"/>
     <p:sldId id="260" r:id="rId6"/>
-    <p:sldId id="261" r:id="rId7"/>
+    <p:sldId id="258" r:id="rId7"/>
   </p:sldIdLst>
   <p:sldSz cx="9144000" cy="6858000" type="screen4x3"/>
   <p:notesSz cx="6858000" cy="9144000"/>
@@ -317,7 +317,7 @@
             <a:fld id="{4BDF68E2-58F2-4D09-BE8B-E3BD06533059}" type="datetimeFigureOut">
               <a:rPr lang="en-US" smtClean="0"/>
               <a:pPr/>
-              <a:t>7/13/2017</a:t>
+              <a:t>7/18/2017</a:t>
             </a:fld>
             <a:endParaRPr lang="en-US" dirty="0"/>
           </a:p>
@@ -542,7 +542,7 @@
           <a:p>
             <a:fld id="{2E2D6473-DF6D-4702-B328-E0DD40540A4E}" type="datetimeFigureOut">
               <a:rPr lang="en-US" smtClean="0"/>
-              <a:t>7/13/2017</a:t>
+              <a:t>7/18/2017</a:t>
             </a:fld>
             <a:endParaRPr lang="en-US" dirty="0"/>
           </a:p>
@@ -798,7 +798,7 @@
           <a:p>
             <a:fld id="{E26F7E3A-B166-407D-9866-32884E7D5B37}" type="datetimeFigureOut">
               <a:rPr lang="en-US" smtClean="0"/>
-              <a:t>7/13/2017</a:t>
+              <a:t>7/18/2017</a:t>
             </a:fld>
             <a:endParaRPr lang="en-US" dirty="0"/>
           </a:p>
@@ -1006,7 +1006,7 @@
           <a:p>
             <a:fld id="{528FC5F6-F338-4AE4-BB23-26385BCFC423}" type="datetimeFigureOut">
               <a:rPr lang="en-US" smtClean="0"/>
-              <a:t>7/13/2017</a:t>
+              <a:t>7/18/2017</a:t>
             </a:fld>
             <a:endParaRPr lang="en-US" dirty="0"/>
           </a:p>
@@ -1349,7 +1349,7 @@
           <a:p>
             <a:fld id="{20EBB0C4-6273-4C6E-B9BD-2EDC30F1CD52}" type="datetimeFigureOut">
               <a:rPr lang="en-US" smtClean="0"/>
-              <a:t>7/13/2017</a:t>
+              <a:t>7/18/2017</a:t>
             </a:fld>
             <a:endParaRPr lang="en-US" dirty="0"/>
           </a:p>
@@ -1624,7 +1624,7 @@
           <a:p>
             <a:fld id="{19AB4D41-86C1-4908-B66A-0B50CEB3BF29}" type="datetimeFigureOut">
               <a:rPr lang="en-US" smtClean="0"/>
-              <a:t>7/13/2017</a:t>
+              <a:t>7/18/2017</a:t>
             </a:fld>
             <a:endParaRPr lang="en-US" dirty="0"/>
           </a:p>
@@ -2003,7 +2003,7 @@
           <a:p>
             <a:fld id="{E6426E2C-56C1-4E0D-A793-0088A7FDD37E}" type="datetimeFigureOut">
               <a:rPr lang="en-US" smtClean="0"/>
-              <a:t>7/13/2017</a:t>
+              <a:t>7/18/2017</a:t>
             </a:fld>
             <a:endParaRPr lang="en-US" dirty="0"/>
           </a:p>
@@ -2121,7 +2121,7 @@
           <a:p>
             <a:fld id="{C8C39B41-D8B5-4052-B551-9B5525EAA8B6}" type="datetimeFigureOut">
               <a:rPr lang="en-US" smtClean="0"/>
-              <a:t>7/13/2017</a:t>
+              <a:t>7/18/2017</a:t>
             </a:fld>
             <a:endParaRPr lang="en-US" dirty="0"/>
           </a:p>
@@ -2292,7 +2292,7 @@
           <a:p>
             <a:fld id="{4D94136C-8742-45B2-AF27-D93DF72833A9}" type="datetimeFigureOut">
               <a:rPr lang="en-US" smtClean="0"/>
-              <a:t>7/13/2017</a:t>
+              <a:t>7/18/2017</a:t>
             </a:fld>
             <a:endParaRPr lang="en-US" dirty="0"/>
           </a:p>
@@ -2647,7 +2647,7 @@
           <a:p>
             <a:fld id="{32ABBEA6-7C60-4B02-AE87-00D78D8422AF}" type="datetimeFigureOut">
               <a:rPr lang="en-US" smtClean="0"/>
-              <a:t>7/13/2017</a:t>
+              <a:t>7/18/2017</a:t>
             </a:fld>
             <a:endParaRPr lang="en-US" dirty="0"/>
           </a:p>
@@ -3030,7 +3030,7 @@
           <a:p>
             <a:fld id="{C9CAD897-D46E-4AD2-BD9B-49DD3E640873}" type="datetimeFigureOut">
               <a:rPr lang="en-US" smtClean="0"/>
-              <a:t>7/13/2017</a:t>
+              <a:t>7/18/2017</a:t>
             </a:fld>
             <a:endParaRPr lang="en-US" dirty="0"/>
           </a:p>
@@ -3280,7 +3280,7 @@
             <a:fld id="{98624D31-43A5-475A-80CF-332C9F6DCF35}" type="datetimeFigureOut">
               <a:rPr lang="en-US" smtClean="0"/>
               <a:pPr/>
-              <a:t>7/13/2017</a:t>
+              <a:t>7/18/2017</a:t>
             </a:fld>
             <a:endParaRPr lang="en-US" dirty="0"/>
           </a:p>
@@ -3912,6 +3912,920 @@
           <a:p>
             <a:r>
               <a:rPr lang="zh-CN" altLang="en-US" dirty="0" smtClean="0"/>
+              <a:t>宇宙线测串扰</a:t>
+            </a:r>
+            <a:endParaRPr lang="zh-CN" altLang="en-US" dirty="0"/>
+          </a:p>
+        </p:txBody>
+      </p:sp>
+      <p:sp>
+        <p:nvSpPr>
+          <p:cNvPr id="3" name="内容占位符 2"/>
+          <p:cNvSpPr>
+            <a:spLocks noGrp="1"/>
+          </p:cNvSpPr>
+          <p:nvPr>
+            <p:ph idx="1"/>
+          </p:nvPr>
+        </p:nvSpPr>
+        <p:spPr/>
+        <p:txBody>
+          <a:bodyPr/>
+          <a:lstStyle/>
+          <a:p>
+            <a:endParaRPr lang="zh-CN" altLang="en-US"/>
+          </a:p>
+        </p:txBody>
+      </p:sp>
+    </p:spTree>
+    <p:extLst>
+      <p:ext uri="{BB962C8B-B14F-4D97-AF65-F5344CB8AC3E}">
+        <p14:creationId xmlns:p14="http://schemas.microsoft.com/office/powerpoint/2010/main" val="3779327005"/>
+      </p:ext>
+    </p:extLst>
+  </p:cSld>
+  <p:clrMapOvr>
+    <a:masterClrMapping/>
+  </p:clrMapOvr>
+</p:sld>
+</file>
+
+<file path=ppt/slides/slide3.xml><?xml version="1.0" encoding="utf-8"?>
+<p:sld xmlns:a="http://schemas.openxmlformats.org/drawingml/2006/main" xmlns:r="http://schemas.openxmlformats.org/officeDocument/2006/relationships" xmlns:p="http://schemas.openxmlformats.org/presentationml/2006/main">
+  <p:cSld>
+    <p:spTree>
+      <p:nvGrpSpPr>
+        <p:cNvPr id="1" name=""/>
+        <p:cNvGrpSpPr/>
+        <p:nvPr/>
+      </p:nvGrpSpPr>
+      <p:grpSpPr>
+        <a:xfrm>
+          <a:off x="0" y="0"/>
+          <a:ext cx="0" cy="0"/>
+          <a:chOff x="0" y="0"/>
+          <a:chExt cx="0" cy="0"/>
+        </a:xfrm>
+      </p:grpSpPr>
+      <p:sp>
+        <p:nvSpPr>
+          <p:cNvPr id="2" name="标题 1"/>
+          <p:cNvSpPr>
+            <a:spLocks noGrp="1"/>
+          </p:cNvSpPr>
+          <p:nvPr>
+            <p:ph type="title"/>
+          </p:nvPr>
+        </p:nvSpPr>
+        <p:spPr/>
+        <p:txBody>
+          <a:bodyPr/>
+          <a:lstStyle/>
+          <a:p>
+            <a:r>
+              <a:rPr lang="zh-CN" altLang="en-US" dirty="0" smtClean="0"/>
+              <a:t>温湿度对增益的影响</a:t>
+            </a:r>
+            <a:endParaRPr lang="zh-CN" altLang="en-US" dirty="0"/>
+          </a:p>
+        </p:txBody>
+      </p:sp>
+      <p:sp>
+        <p:nvSpPr>
+          <p:cNvPr id="3" name="内容占位符 2"/>
+          <p:cNvSpPr>
+            <a:spLocks noGrp="1"/>
+          </p:cNvSpPr>
+          <p:nvPr>
+            <p:ph idx="1"/>
+          </p:nvPr>
+        </p:nvSpPr>
+        <p:spPr/>
+        <p:txBody>
+          <a:bodyPr/>
+          <a:lstStyle/>
+          <a:p>
+            <a:r>
+              <a:rPr lang="zh-CN" altLang="en-US" dirty="0" smtClean="0"/>
+              <a:t>湿度</a:t>
+            </a:r>
+            <a:r>
+              <a:rPr lang="en-US" altLang="zh-CN" dirty="0" smtClean="0"/>
+              <a:t>52%</a:t>
+            </a:r>
+            <a:r>
+              <a:rPr lang="zh-CN" altLang="en-US" dirty="0" smtClean="0"/>
+              <a:t>，温度</a:t>
+            </a:r>
+            <a:r>
+              <a:rPr lang="en-US" altLang="zh-CN" dirty="0" smtClean="0"/>
+              <a:t>25</a:t>
+            </a:r>
+            <a:r>
+              <a:rPr lang="zh-CN" altLang="en-US" dirty="0" smtClean="0"/>
+              <a:t>℃</a:t>
+            </a:r>
+            <a:endParaRPr lang="en-US" altLang="zh-CN" dirty="0" smtClean="0"/>
+          </a:p>
+          <a:p>
+            <a:pPr lvl="1"/>
+            <a:endParaRPr lang="zh-CN" altLang="en-US" dirty="0"/>
+          </a:p>
+        </p:txBody>
+      </p:sp>
+      <p:graphicFrame>
+        <p:nvGraphicFramePr>
+          <p:cNvPr id="4" name="表格 3"/>
+          <p:cNvGraphicFramePr>
+            <a:graphicFrameLocks noGrp="1"/>
+          </p:cNvGraphicFramePr>
+          <p:nvPr>
+            <p:extLst>
+              <p:ext uri="{D42A27DB-BD31-4B8C-83A1-F6EECF244321}">
+                <p14:modId xmlns:p14="http://schemas.microsoft.com/office/powerpoint/2010/main" val="1777960985"/>
+              </p:ext>
+            </p:extLst>
+          </p:nvPr>
+        </p:nvGraphicFramePr>
+        <p:xfrm>
+          <a:off x="0" y="1800412"/>
+          <a:ext cx="9115200" cy="1101763"/>
+        </p:xfrm>
+        <a:graphic>
+          <a:graphicData uri="http://schemas.openxmlformats.org/drawingml/2006/table">
+            <a:tbl>
+              <a:tblPr firstRow="1" bandRow="1">
+                <a:tableStyleId>{5C22544A-7EE6-4342-B048-85BDC9FD1C3A}</a:tableStyleId>
+              </a:tblPr>
+              <a:tblGrid>
+                <a:gridCol w="648000"/>
+                <a:gridCol w="604800"/>
+                <a:gridCol w="604800"/>
+                <a:gridCol w="604800"/>
+                <a:gridCol w="604800"/>
+                <a:gridCol w="604800"/>
+                <a:gridCol w="604800"/>
+                <a:gridCol w="604800"/>
+                <a:gridCol w="604800"/>
+                <a:gridCol w="604800"/>
+                <a:gridCol w="604800"/>
+                <a:gridCol w="604800"/>
+                <a:gridCol w="604800"/>
+                <a:gridCol w="604800"/>
+                <a:gridCol w="604800"/>
+              </a:tblGrid>
+              <a:tr h="360083">
+                <a:tc>
+                  <a:txBody>
+                    <a:bodyPr/>
+                    <a:lstStyle/>
+                    <a:p>
+                      <a:pPr algn="ctr"/>
+                      <a:r>
+                        <a:rPr lang="zh-CN" altLang="en-US" sz="1000" dirty="0" smtClean="0"/>
+                        <a:t>区域</a:t>
+                      </a:r>
+                      <a:endParaRPr lang="zh-CN" altLang="en-US" sz="1000" dirty="0"/>
+                    </a:p>
+                  </a:txBody>
+                  <a:tcPr/>
+                </a:tc>
+                <a:tc>
+                  <a:txBody>
+                    <a:bodyPr/>
+                    <a:lstStyle/>
+                    <a:p>
+                      <a:pPr algn="ctr"/>
+                      <a:r>
+                        <a:rPr lang="en-US" altLang="zh-CN" sz="1100" dirty="0" smtClean="0"/>
+                        <a:t>A36</a:t>
+                      </a:r>
+                      <a:endParaRPr lang="zh-CN" altLang="en-US" sz="1100" dirty="0"/>
+                    </a:p>
+                  </a:txBody>
+                  <a:tcPr/>
+                </a:tc>
+                <a:tc>
+                  <a:txBody>
+                    <a:bodyPr/>
+                    <a:lstStyle/>
+                    <a:p>
+                      <a:pPr algn="ctr"/>
+                      <a:r>
+                        <a:rPr lang="en-US" altLang="zh-CN" sz="1100" dirty="0" smtClean="0"/>
+                        <a:t>B46</a:t>
+                      </a:r>
+                      <a:endParaRPr lang="zh-CN" altLang="en-US" sz="1100" dirty="0"/>
+                    </a:p>
+                  </a:txBody>
+                  <a:tcPr/>
+                </a:tc>
+                <a:tc>
+                  <a:txBody>
+                    <a:bodyPr/>
+                    <a:lstStyle/>
+                    <a:p>
+                      <a:pPr algn="ctr"/>
+                      <a:r>
+                        <a:rPr lang="en-US" altLang="zh-CN" sz="1100" dirty="0" smtClean="0"/>
+                        <a:t>C45</a:t>
+                      </a:r>
+                      <a:endParaRPr lang="zh-CN" altLang="en-US" sz="1100" dirty="0"/>
+                    </a:p>
+                  </a:txBody>
+                  <a:tcPr/>
+                </a:tc>
+                <a:tc>
+                  <a:txBody>
+                    <a:bodyPr/>
+                    <a:lstStyle/>
+                    <a:p>
+                      <a:pPr algn="ctr"/>
+                      <a:r>
+                        <a:rPr lang="en-US" altLang="zh-CN" sz="1100" dirty="0" smtClean="0"/>
+                        <a:t>D20</a:t>
+                      </a:r>
+                      <a:endParaRPr lang="zh-CN" altLang="en-US" sz="1100" dirty="0"/>
+                    </a:p>
+                  </a:txBody>
+                  <a:tcPr/>
+                </a:tc>
+                <a:tc>
+                  <a:txBody>
+                    <a:bodyPr/>
+                    <a:lstStyle/>
+                    <a:p>
+                      <a:pPr algn="ctr"/>
+                      <a:r>
+                        <a:rPr lang="en-US" altLang="zh-CN" sz="1100" dirty="0" smtClean="0"/>
+                        <a:t>E21</a:t>
+                      </a:r>
+                      <a:endParaRPr lang="zh-CN" altLang="en-US" sz="1100" dirty="0"/>
+                    </a:p>
+                  </a:txBody>
+                  <a:tcPr/>
+                </a:tc>
+                <a:tc>
+                  <a:txBody>
+                    <a:bodyPr/>
+                    <a:lstStyle/>
+                    <a:p>
+                      <a:pPr algn="ctr"/>
+                      <a:r>
+                        <a:rPr lang="en-US" altLang="zh-CN" sz="1100" dirty="0" smtClean="0"/>
+                        <a:t>F30</a:t>
+                      </a:r>
+                      <a:endParaRPr lang="zh-CN" altLang="en-US" sz="1100" dirty="0"/>
+                    </a:p>
+                  </a:txBody>
+                  <a:tcPr/>
+                </a:tc>
+                <a:tc>
+                  <a:txBody>
+                    <a:bodyPr/>
+                    <a:lstStyle/>
+                    <a:p>
+                      <a:pPr algn="ctr"/>
+                      <a:r>
+                        <a:rPr lang="en-US" altLang="zh-CN" sz="1100" dirty="0" smtClean="0"/>
+                        <a:t>G33</a:t>
+                      </a:r>
+                      <a:endParaRPr lang="zh-CN" altLang="en-US" sz="1100" dirty="0"/>
+                    </a:p>
+                  </a:txBody>
+                  <a:tcPr/>
+                </a:tc>
+                <a:tc>
+                  <a:txBody>
+                    <a:bodyPr/>
+                    <a:lstStyle/>
+                    <a:p>
+                      <a:pPr algn="ctr"/>
+                      <a:r>
+                        <a:rPr lang="en-US" altLang="zh-CN" sz="1100" dirty="0" smtClean="0"/>
+                        <a:t>H29</a:t>
+                      </a:r>
+                      <a:endParaRPr lang="zh-CN" altLang="en-US" sz="1100" dirty="0"/>
+                    </a:p>
+                  </a:txBody>
+                  <a:tcPr/>
+                </a:tc>
+                <a:tc>
+                  <a:txBody>
+                    <a:bodyPr/>
+                    <a:lstStyle/>
+                    <a:p>
+                      <a:pPr algn="ctr"/>
+                      <a:r>
+                        <a:rPr lang="en-US" altLang="zh-CN" sz="1100" dirty="0" smtClean="0"/>
+                        <a:t>J19</a:t>
+                      </a:r>
+                      <a:endParaRPr lang="zh-CN" altLang="en-US" sz="1100" dirty="0"/>
+                    </a:p>
+                  </a:txBody>
+                  <a:tcPr/>
+                </a:tc>
+                <a:tc>
+                  <a:txBody>
+                    <a:bodyPr/>
+                    <a:lstStyle/>
+                    <a:p>
+                      <a:pPr algn="ctr"/>
+                      <a:r>
+                        <a:rPr lang="en-US" altLang="zh-CN" sz="1100" dirty="0" smtClean="0"/>
+                        <a:t>K20</a:t>
+                      </a:r>
+                      <a:endParaRPr lang="zh-CN" altLang="en-US" sz="1100" dirty="0"/>
+                    </a:p>
+                  </a:txBody>
+                  <a:tcPr/>
+                </a:tc>
+                <a:tc>
+                  <a:txBody>
+                    <a:bodyPr/>
+                    <a:lstStyle/>
+                    <a:p>
+                      <a:pPr algn="ctr"/>
+                      <a:r>
+                        <a:rPr lang="en-US" altLang="zh-CN" sz="1100" dirty="0" smtClean="0"/>
+                        <a:t>L45</a:t>
+                      </a:r>
+                      <a:endParaRPr lang="zh-CN" altLang="en-US" sz="1100" dirty="0"/>
+                    </a:p>
+                  </a:txBody>
+                  <a:tcPr/>
+                </a:tc>
+                <a:tc>
+                  <a:txBody>
+                    <a:bodyPr/>
+                    <a:lstStyle/>
+                    <a:p>
+                      <a:pPr algn="ctr"/>
+                      <a:r>
+                        <a:rPr lang="en-US" altLang="zh-CN" sz="1100" dirty="0" smtClean="0"/>
+                        <a:t>M43</a:t>
+                      </a:r>
+                      <a:endParaRPr lang="zh-CN" altLang="en-US" sz="1100" dirty="0"/>
+                    </a:p>
+                  </a:txBody>
+                  <a:tcPr/>
+                </a:tc>
+                <a:tc>
+                  <a:txBody>
+                    <a:bodyPr/>
+                    <a:lstStyle/>
+                    <a:p>
+                      <a:pPr algn="ctr"/>
+                      <a:r>
+                        <a:rPr lang="en-US" altLang="zh-CN" sz="1100" dirty="0" smtClean="0"/>
+                        <a:t>N34</a:t>
+                      </a:r>
+                      <a:endParaRPr lang="zh-CN" altLang="en-US" sz="1100" dirty="0"/>
+                    </a:p>
+                  </a:txBody>
+                  <a:tcPr/>
+                </a:tc>
+                <a:tc>
+                  <a:txBody>
+                    <a:bodyPr/>
+                    <a:lstStyle/>
+                    <a:p>
+                      <a:pPr algn="ctr"/>
+                      <a:r>
+                        <a:rPr lang="en-US" altLang="zh-CN" sz="1100" dirty="0" smtClean="0"/>
+                        <a:t>P33</a:t>
+                      </a:r>
+                      <a:endParaRPr lang="zh-CN" altLang="en-US" sz="1100" dirty="0"/>
+                    </a:p>
+                  </a:txBody>
+                  <a:tcPr/>
+                </a:tc>
+              </a:tr>
+              <a:tr h="370840">
+                <a:tc>
+                  <a:txBody>
+                    <a:bodyPr/>
+                    <a:lstStyle/>
+                    <a:p>
+                      <a:pPr algn="ctr"/>
+                      <a:r>
+                        <a:rPr lang="zh-CN" altLang="en-US" sz="1100" dirty="0" smtClean="0"/>
+                        <a:t>多道</a:t>
+                      </a:r>
+                      <a:r>
+                        <a:rPr lang="en-US" altLang="zh-CN" sz="1100" dirty="0" smtClean="0"/>
+                        <a:t>(</a:t>
+                      </a:r>
+                      <a:r>
+                        <a:rPr lang="en-US" altLang="zh-CN" sz="1100" dirty="0" err="1" smtClean="0"/>
+                        <a:t>fC</a:t>
+                      </a:r>
+                      <a:r>
+                        <a:rPr lang="en-US" altLang="zh-CN" sz="1100" dirty="0" smtClean="0"/>
+                        <a:t>)</a:t>
+                      </a:r>
+                      <a:endParaRPr lang="zh-CN" altLang="en-US" sz="1100" dirty="0"/>
+                    </a:p>
+                  </a:txBody>
+                  <a:tcPr/>
+                </a:tc>
+                <a:tc>
+                  <a:txBody>
+                    <a:bodyPr/>
+                    <a:lstStyle/>
+                    <a:p>
+                      <a:pPr algn="ctr"/>
+                      <a:r>
+                        <a:rPr lang="en-US" altLang="zh-CN" sz="1100" dirty="0" smtClean="0"/>
+                        <a:t>352.21</a:t>
+                      </a:r>
+                      <a:endParaRPr lang="zh-CN" altLang="en-US" sz="1100" dirty="0"/>
+                    </a:p>
+                  </a:txBody>
+                  <a:tcPr/>
+                </a:tc>
+                <a:tc>
+                  <a:txBody>
+                    <a:bodyPr/>
+                    <a:lstStyle/>
+                    <a:p>
+                      <a:pPr algn="ctr"/>
+                      <a:r>
+                        <a:rPr lang="en-US" altLang="zh-CN" sz="1100" dirty="0" smtClean="0"/>
+                        <a:t>238.16</a:t>
+                      </a:r>
+                      <a:endParaRPr lang="zh-CN" altLang="en-US" sz="1100" dirty="0"/>
+                    </a:p>
+                  </a:txBody>
+                  <a:tcPr/>
+                </a:tc>
+                <a:tc>
+                  <a:txBody>
+                    <a:bodyPr/>
+                    <a:lstStyle/>
+                    <a:p>
+                      <a:pPr algn="ctr"/>
+                      <a:r>
+                        <a:rPr lang="en-US" altLang="zh-CN" sz="1100" dirty="0" smtClean="0"/>
+                        <a:t>224.52</a:t>
+                      </a:r>
+                      <a:endParaRPr lang="zh-CN" altLang="en-US" sz="1100" dirty="0"/>
+                    </a:p>
+                  </a:txBody>
+                  <a:tcPr/>
+                </a:tc>
+                <a:tc>
+                  <a:txBody>
+                    <a:bodyPr/>
+                    <a:lstStyle/>
+                    <a:p>
+                      <a:pPr algn="ctr"/>
+                      <a:r>
+                        <a:rPr lang="en-US" altLang="zh-CN" sz="1100" dirty="0" smtClean="0"/>
+                        <a:t>299.69</a:t>
+                      </a:r>
+                      <a:endParaRPr lang="zh-CN" altLang="en-US" sz="1100" dirty="0"/>
+                    </a:p>
+                  </a:txBody>
+                  <a:tcPr/>
+                </a:tc>
+                <a:tc>
+                  <a:txBody>
+                    <a:bodyPr/>
+                    <a:lstStyle/>
+                    <a:p>
+                      <a:pPr algn="ctr"/>
+                      <a:r>
+                        <a:rPr lang="en-US" altLang="zh-CN" sz="1100" dirty="0" smtClean="0"/>
+                        <a:t>242.44</a:t>
+                      </a:r>
+                      <a:endParaRPr lang="zh-CN" altLang="en-US" sz="1100" dirty="0"/>
+                    </a:p>
+                  </a:txBody>
+                  <a:tcPr/>
+                </a:tc>
+                <a:tc>
+                  <a:txBody>
+                    <a:bodyPr/>
+                    <a:lstStyle/>
+                    <a:p>
+                      <a:pPr algn="ctr"/>
+                      <a:r>
+                        <a:rPr lang="en-US" altLang="zh-CN" sz="1100" dirty="0" smtClean="0"/>
+                        <a:t>268.16</a:t>
+                      </a:r>
+                      <a:endParaRPr lang="zh-CN" altLang="en-US" sz="1100" dirty="0"/>
+                    </a:p>
+                  </a:txBody>
+                  <a:tcPr/>
+                </a:tc>
+                <a:tc>
+                  <a:txBody>
+                    <a:bodyPr/>
+                    <a:lstStyle/>
+                    <a:p>
+                      <a:pPr algn="ctr"/>
+                      <a:r>
+                        <a:rPr lang="en-US" altLang="zh-CN" sz="1100" dirty="0" smtClean="0"/>
+                        <a:t>234.94</a:t>
+                      </a:r>
+                      <a:endParaRPr lang="zh-CN" altLang="en-US" sz="1100" dirty="0"/>
+                    </a:p>
+                  </a:txBody>
+                  <a:tcPr/>
+                </a:tc>
+                <a:tc>
+                  <a:txBody>
+                    <a:bodyPr/>
+                    <a:lstStyle/>
+                    <a:p>
+                      <a:pPr algn="ctr"/>
+                      <a:r>
+                        <a:rPr lang="en-US" altLang="zh-CN" sz="1100" dirty="0" smtClean="0"/>
+                        <a:t>330.25</a:t>
+                      </a:r>
+                      <a:endParaRPr lang="zh-CN" altLang="en-US" sz="1100" dirty="0"/>
+                    </a:p>
+                  </a:txBody>
+                  <a:tcPr/>
+                </a:tc>
+                <a:tc>
+                  <a:txBody>
+                    <a:bodyPr/>
+                    <a:lstStyle/>
+                    <a:p>
+                      <a:pPr algn="ctr"/>
+                      <a:r>
+                        <a:rPr lang="en-US" altLang="zh-CN" sz="1100" dirty="0" smtClean="0"/>
+                        <a:t>237.39</a:t>
+                      </a:r>
+                      <a:endParaRPr lang="zh-CN" altLang="en-US" sz="1100" dirty="0"/>
+                    </a:p>
+                  </a:txBody>
+                  <a:tcPr/>
+                </a:tc>
+                <a:tc>
+                  <a:txBody>
+                    <a:bodyPr/>
+                    <a:lstStyle/>
+                    <a:p>
+                      <a:pPr algn="ctr"/>
+                      <a:r>
+                        <a:rPr lang="en-US" altLang="zh-CN" sz="1100" dirty="0" smtClean="0"/>
+                        <a:t>249.65</a:t>
+                      </a:r>
+                      <a:endParaRPr lang="zh-CN" altLang="en-US" sz="1100" dirty="0"/>
+                    </a:p>
+                  </a:txBody>
+                  <a:tcPr/>
+                </a:tc>
+                <a:tc>
+                  <a:txBody>
+                    <a:bodyPr/>
+                    <a:lstStyle/>
+                    <a:p>
+                      <a:pPr algn="ctr"/>
+                      <a:r>
+                        <a:rPr lang="en-US" altLang="zh-CN" sz="1100" dirty="0" smtClean="0"/>
+                        <a:t>333.04</a:t>
+                      </a:r>
+                      <a:endParaRPr lang="zh-CN" altLang="en-US" sz="1100" dirty="0"/>
+                    </a:p>
+                  </a:txBody>
+                  <a:tcPr/>
+                </a:tc>
+                <a:tc>
+                  <a:txBody>
+                    <a:bodyPr/>
+                    <a:lstStyle/>
+                    <a:p>
+                      <a:pPr algn="ctr"/>
+                      <a:r>
+                        <a:rPr lang="en-US" altLang="zh-CN" sz="1100" dirty="0" smtClean="0"/>
+                        <a:t>298.25</a:t>
+                      </a:r>
+                      <a:endParaRPr lang="zh-CN" altLang="en-US" sz="1100" dirty="0"/>
+                    </a:p>
+                  </a:txBody>
+                  <a:tcPr/>
+                </a:tc>
+                <a:tc>
+                  <a:txBody>
+                    <a:bodyPr/>
+                    <a:lstStyle/>
+                    <a:p>
+                      <a:pPr algn="ctr"/>
+                      <a:r>
+                        <a:rPr lang="en-US" altLang="zh-CN" sz="1100" dirty="0" smtClean="0"/>
+                        <a:t>368.72</a:t>
+                      </a:r>
+                      <a:endParaRPr lang="zh-CN" altLang="en-US" sz="1100" dirty="0"/>
+                    </a:p>
+                  </a:txBody>
+                  <a:tcPr/>
+                </a:tc>
+                <a:tc>
+                  <a:txBody>
+                    <a:bodyPr/>
+                    <a:lstStyle/>
+                    <a:p>
+                      <a:pPr algn="ctr"/>
+                      <a:r>
+                        <a:rPr lang="en-US" altLang="zh-CN" sz="1100" dirty="0" smtClean="0"/>
+                        <a:t>281.47</a:t>
+                      </a:r>
+                      <a:endParaRPr lang="zh-CN" altLang="en-US" sz="1100" dirty="0"/>
+                    </a:p>
+                  </a:txBody>
+                  <a:tcPr/>
+                </a:tc>
+              </a:tr>
+              <a:tr h="370840">
+                <a:tc>
+                  <a:txBody>
+                    <a:bodyPr/>
+                    <a:lstStyle/>
+                    <a:p>
+                      <a:pPr algn="ctr"/>
+                      <a:r>
+                        <a:rPr lang="en-US" altLang="zh-CN" sz="1100" dirty="0" smtClean="0"/>
+                        <a:t>ADC(</a:t>
+                      </a:r>
+                      <a:r>
+                        <a:rPr lang="en-US" altLang="zh-CN" sz="1100" dirty="0" err="1" smtClean="0"/>
+                        <a:t>fC</a:t>
+                      </a:r>
+                      <a:r>
+                        <a:rPr lang="en-US" altLang="zh-CN" sz="1100" dirty="0" smtClean="0"/>
+                        <a:t>)</a:t>
+                      </a:r>
+                      <a:endParaRPr lang="zh-CN" altLang="en-US" sz="1100" dirty="0"/>
+                    </a:p>
+                  </a:txBody>
+                  <a:tcPr/>
+                </a:tc>
+                <a:tc>
+                  <a:txBody>
+                    <a:bodyPr/>
+                    <a:lstStyle/>
+                    <a:p>
+                      <a:pPr algn="ctr"/>
+                      <a:r>
+                        <a:rPr lang="en-US" altLang="zh-CN" sz="1100" dirty="0" smtClean="0"/>
+                        <a:t>425.66</a:t>
+                      </a:r>
+                      <a:endParaRPr lang="zh-CN" altLang="en-US" sz="1100" dirty="0"/>
+                    </a:p>
+                  </a:txBody>
+                  <a:tcPr/>
+                </a:tc>
+                <a:tc>
+                  <a:txBody>
+                    <a:bodyPr/>
+                    <a:lstStyle/>
+                    <a:p>
+                      <a:pPr algn="ctr"/>
+                      <a:r>
+                        <a:rPr lang="en-US" altLang="zh-CN" sz="1100" dirty="0" smtClean="0"/>
+                        <a:t>316.96</a:t>
+                      </a:r>
+                      <a:endParaRPr lang="zh-CN" altLang="en-US" sz="1100" dirty="0"/>
+                    </a:p>
+                  </a:txBody>
+                  <a:tcPr/>
+                </a:tc>
+                <a:tc>
+                  <a:txBody>
+                    <a:bodyPr/>
+                    <a:lstStyle/>
+                    <a:p>
+                      <a:pPr algn="ctr"/>
+                      <a:r>
+                        <a:rPr lang="en-US" altLang="zh-CN" sz="1100" dirty="0" smtClean="0"/>
+                        <a:t>305.40</a:t>
+                      </a:r>
+                      <a:endParaRPr lang="zh-CN" altLang="en-US" sz="1100" dirty="0"/>
+                    </a:p>
+                  </a:txBody>
+                  <a:tcPr/>
+                </a:tc>
+                <a:tc>
+                  <a:txBody>
+                    <a:bodyPr/>
+                    <a:lstStyle/>
+                    <a:p>
+                      <a:pPr algn="ctr"/>
+                      <a:r>
+                        <a:rPr lang="en-US" altLang="zh-CN" sz="1100" dirty="0" smtClean="0"/>
+                        <a:t>388.98</a:t>
+                      </a:r>
+                      <a:endParaRPr lang="zh-CN" altLang="en-US" sz="1100" dirty="0"/>
+                    </a:p>
+                  </a:txBody>
+                  <a:tcPr/>
+                </a:tc>
+                <a:tc>
+                  <a:txBody>
+                    <a:bodyPr/>
+                    <a:lstStyle/>
+                    <a:p>
+                      <a:pPr algn="ctr"/>
+                      <a:r>
+                        <a:rPr lang="en-US" altLang="zh-CN" sz="1100" dirty="0" smtClean="0"/>
+                        <a:t>332.26</a:t>
+                      </a:r>
+                      <a:endParaRPr lang="zh-CN" altLang="en-US" sz="1100" dirty="0"/>
+                    </a:p>
+                  </a:txBody>
+                  <a:tcPr/>
+                </a:tc>
+                <a:tc>
+                  <a:txBody>
+                    <a:bodyPr/>
+                    <a:lstStyle/>
+                    <a:p>
+                      <a:pPr algn="ctr"/>
+                      <a:r>
+                        <a:rPr lang="en-US" altLang="zh-CN" sz="1100" dirty="0" smtClean="0"/>
+                        <a:t>368.62</a:t>
+                      </a:r>
+                      <a:endParaRPr lang="zh-CN" altLang="en-US" sz="1100" dirty="0"/>
+                    </a:p>
+                  </a:txBody>
+                  <a:tcPr/>
+                </a:tc>
+                <a:tc>
+                  <a:txBody>
+                    <a:bodyPr/>
+                    <a:lstStyle/>
+                    <a:p>
+                      <a:pPr algn="ctr"/>
+                      <a:r>
+                        <a:rPr lang="en-US" altLang="zh-CN" sz="1100" dirty="0" smtClean="0"/>
+                        <a:t>317.91</a:t>
+                      </a:r>
+                      <a:endParaRPr lang="zh-CN" altLang="en-US" sz="1100" dirty="0"/>
+                    </a:p>
+                  </a:txBody>
+                  <a:tcPr/>
+                </a:tc>
+                <a:tc>
+                  <a:txBody>
+                    <a:bodyPr/>
+                    <a:lstStyle/>
+                    <a:p>
+                      <a:pPr algn="ctr"/>
+                      <a:r>
+                        <a:rPr lang="en-US" altLang="zh-CN" sz="1100" dirty="0" smtClean="0"/>
+                        <a:t>425.33</a:t>
+                      </a:r>
+                      <a:endParaRPr lang="zh-CN" altLang="en-US" sz="1100" dirty="0"/>
+                    </a:p>
+                  </a:txBody>
+                  <a:tcPr/>
+                </a:tc>
+                <a:tc>
+                  <a:txBody>
+                    <a:bodyPr/>
+                    <a:lstStyle/>
+                    <a:p>
+                      <a:pPr algn="ctr"/>
+                      <a:r>
+                        <a:rPr lang="en-US" altLang="zh-CN" sz="1100" dirty="0" smtClean="0"/>
+                        <a:t>309.09</a:t>
+                      </a:r>
+                      <a:endParaRPr lang="zh-CN" altLang="en-US" sz="1100" dirty="0"/>
+                    </a:p>
+                  </a:txBody>
+                  <a:tcPr/>
+                </a:tc>
+                <a:tc>
+                  <a:txBody>
+                    <a:bodyPr/>
+                    <a:lstStyle/>
+                    <a:p>
+                      <a:pPr algn="ctr"/>
+                      <a:r>
+                        <a:rPr lang="en-US" altLang="zh-CN" sz="1100" dirty="0" smtClean="0"/>
+                        <a:t>325.85</a:t>
+                      </a:r>
+                      <a:endParaRPr lang="zh-CN" altLang="en-US" sz="1100" dirty="0"/>
+                    </a:p>
+                  </a:txBody>
+                  <a:tcPr/>
+                </a:tc>
+                <a:tc>
+                  <a:txBody>
+                    <a:bodyPr/>
+                    <a:lstStyle/>
+                    <a:p>
+                      <a:pPr algn="ctr"/>
+                      <a:r>
+                        <a:rPr lang="en-US" altLang="zh-CN" sz="1100" dirty="0" smtClean="0"/>
+                        <a:t>410.19</a:t>
+                      </a:r>
+                      <a:endParaRPr lang="zh-CN" altLang="en-US" sz="1100" dirty="0"/>
+                    </a:p>
+                  </a:txBody>
+                  <a:tcPr/>
+                </a:tc>
+                <a:tc>
+                  <a:txBody>
+                    <a:bodyPr/>
+                    <a:lstStyle/>
+                    <a:p>
+                      <a:pPr algn="ctr"/>
+                      <a:r>
+                        <a:rPr lang="en-US" altLang="zh-CN" sz="1100" dirty="0" smtClean="0"/>
+                        <a:t>361.39</a:t>
+                      </a:r>
+                      <a:endParaRPr lang="zh-CN" altLang="en-US" sz="1100" dirty="0"/>
+                    </a:p>
+                  </a:txBody>
+                  <a:tcPr/>
+                </a:tc>
+                <a:tc>
+                  <a:txBody>
+                    <a:bodyPr/>
+                    <a:lstStyle/>
+                    <a:p>
+                      <a:pPr algn="ctr"/>
+                      <a:r>
+                        <a:rPr lang="en-US" altLang="zh-CN" sz="1100" dirty="0" smtClean="0"/>
+                        <a:t>442.96</a:t>
+                      </a:r>
+                      <a:endParaRPr lang="zh-CN" altLang="en-US" sz="1100" dirty="0"/>
+                    </a:p>
+                  </a:txBody>
+                  <a:tcPr/>
+                </a:tc>
+                <a:tc>
+                  <a:txBody>
+                    <a:bodyPr/>
+                    <a:lstStyle/>
+                    <a:p>
+                      <a:pPr algn="ctr"/>
+                      <a:r>
+                        <a:rPr lang="en-US" altLang="zh-CN" sz="1100" dirty="0" smtClean="0"/>
+                        <a:t>352.04</a:t>
+                      </a:r>
+                      <a:endParaRPr lang="zh-CN" altLang="en-US" sz="1100" dirty="0"/>
+                    </a:p>
+                  </a:txBody>
+                  <a:tcPr/>
+                </a:tc>
+              </a:tr>
+            </a:tbl>
+          </a:graphicData>
+        </a:graphic>
+      </p:graphicFrame>
+    </p:spTree>
+    <p:extLst>
+      <p:ext uri="{BB962C8B-B14F-4D97-AF65-F5344CB8AC3E}">
+        <p14:creationId xmlns:p14="http://schemas.microsoft.com/office/powerpoint/2010/main" val="807893475"/>
+      </p:ext>
+    </p:extLst>
+  </p:cSld>
+  <p:clrMapOvr>
+    <a:masterClrMapping/>
+  </p:clrMapOvr>
+</p:sld>
+</file>
+
+<file path=ppt/slides/slide4.xml><?xml version="1.0" encoding="utf-8"?>
+<p:sld xmlns:a="http://schemas.openxmlformats.org/drawingml/2006/main" xmlns:r="http://schemas.openxmlformats.org/officeDocument/2006/relationships" xmlns:p="http://schemas.openxmlformats.org/presentationml/2006/main">
+  <p:cSld>
+    <p:spTree>
+      <p:nvGrpSpPr>
+        <p:cNvPr id="1" name=""/>
+        <p:cNvGrpSpPr/>
+        <p:nvPr/>
+      </p:nvGrpSpPr>
+      <p:grpSpPr>
+        <a:xfrm>
+          <a:off x="0" y="0"/>
+          <a:ext cx="0" cy="0"/>
+          <a:chOff x="0" y="0"/>
+          <a:chExt cx="0" cy="0"/>
+        </a:xfrm>
+      </p:grpSpPr>
+      <p:sp>
+        <p:nvSpPr>
+          <p:cNvPr id="2" name="标题 1"/>
+          <p:cNvSpPr>
+            <a:spLocks noGrp="1"/>
+          </p:cNvSpPr>
+          <p:nvPr>
+            <p:ph type="title"/>
+          </p:nvPr>
+        </p:nvSpPr>
+        <p:spPr/>
+        <p:txBody>
+          <a:bodyPr/>
+          <a:lstStyle/>
+          <a:p>
+            <a:r>
+              <a:rPr lang="zh-CN" altLang="en-US" dirty="0" smtClean="0"/>
               <a:t>下一步改板计划</a:t>
             </a:r>
             <a:endParaRPr lang="zh-CN" altLang="en-US" dirty="0"/>
@@ -3935,7 +4849,9 @@
           </a:xfrm>
         </p:spPr>
         <p:txBody>
-          <a:bodyPr/>
+          <a:bodyPr>
+            <a:normAutofit lnSpcReduction="10000"/>
+          </a:bodyPr>
           <a:lstStyle/>
           <a:p>
             <a:r>
@@ -3969,6 +4885,30 @@
             <a:endParaRPr lang="en-US" altLang="zh-CN" dirty="0" smtClean="0"/>
           </a:p>
           <a:p>
+            <a:pPr lvl="2"/>
+            <a:r>
+              <a:rPr lang="zh-CN" altLang="en-US" dirty="0" smtClean="0"/>
+              <a:t>有</a:t>
+            </a:r>
+            <a:r>
+              <a:rPr lang="en-US" altLang="zh-CN" dirty="0" smtClean="0"/>
+              <a:t>2</a:t>
+            </a:r>
+            <a:r>
+              <a:rPr lang="zh-CN" altLang="en-US" dirty="0" smtClean="0"/>
+              <a:t>片</a:t>
+            </a:r>
+            <a:r>
+              <a:rPr lang="en-US" altLang="zh-CN" dirty="0" smtClean="0"/>
+              <a:t>ASIC</a:t>
+            </a:r>
+            <a:r>
+              <a:rPr lang="zh-CN" altLang="en-US" dirty="0" smtClean="0"/>
+              <a:t>部分管脚不接信号</a:t>
+            </a:r>
+            <a:endParaRPr lang="en-US" altLang="zh-CN" dirty="0" smtClean="0"/>
+          </a:p>
+          <a:p>
             <a:pPr lvl="1"/>
             <a:r>
               <a:rPr lang="en-US" altLang="zh-CN" dirty="0" smtClean="0"/>
@@ -3981,7 +4921,7 @@
             <a:endParaRPr lang="en-US" altLang="zh-CN" dirty="0" smtClean="0"/>
           </a:p>
           <a:p>
-            <a:pPr lvl="1"/>
+            <a:pPr lvl="2"/>
             <a:r>
               <a:rPr lang="zh-CN" altLang="en-US" dirty="0" smtClean="0"/>
               <a:t>阳极板需要多出一部分用于放通孔器件</a:t>
@@ -3991,17 +4931,41 @@
           <a:p>
             <a:pPr lvl="1"/>
             <a:r>
+              <a:rPr lang="zh-CN" altLang="en-US" dirty="0" smtClean="0"/>
+              <a:t>表贴</a:t>
+            </a:r>
+            <a:r>
+              <a:rPr lang="en-US" altLang="zh-CN" dirty="0" smtClean="0"/>
+              <a:t>SMA</a:t>
+            </a:r>
+          </a:p>
+          <a:p>
+            <a:pPr lvl="2"/>
+            <a:r>
               <a:rPr lang="en-US" altLang="zh-CN" dirty="0" smtClean="0"/>
               <a:t>CTest</a:t>
             </a:r>
             <a:r>
               <a:rPr lang="zh-CN" altLang="en-US" dirty="0" smtClean="0"/>
-              <a:t>采用上图表贴</a:t>
+              <a:t>管脚</a:t>
+            </a:r>
+            <a:endParaRPr lang="en-US" altLang="zh-CN" dirty="0" smtClean="0"/>
+          </a:p>
+          <a:p>
+            <a:pPr lvl="2"/>
+            <a:r>
+              <a:rPr lang="zh-CN" altLang="en-US" dirty="0" smtClean="0"/>
+              <a:t>每片</a:t>
             </a:r>
             <a:r>
               <a:rPr lang="en-US" altLang="zh-CN" dirty="0" smtClean="0"/>
-              <a:t>SMA</a:t>
-            </a:r>
+              <a:t>ASIC</a:t>
+            </a:r>
+            <a:r>
+              <a:rPr lang="zh-CN" altLang="en-US" dirty="0" smtClean="0"/>
+              <a:t>附近引出一个信号用做测试</a:t>
+            </a:r>
+            <a:endParaRPr lang="en-US" altLang="zh-CN" dirty="0" smtClean="0"/>
           </a:p>
           <a:p>
             <a:pPr lvl="1"/>
@@ -4067,11 +5031,27 @@
             <a:pPr lvl="2"/>
             <a:r>
               <a:rPr lang="zh-CN" altLang="en-US" dirty="0" smtClean="0"/>
-              <a:t>片选信号：</a:t>
+              <a:t>后续</a:t>
             </a:r>
             <a:r>
               <a:rPr lang="en-US" altLang="zh-CN" dirty="0" smtClean="0"/>
-              <a:t>6</a:t>
+              <a:t>40cm</a:t>
+            </a:r>
+            <a:r>
+              <a:rPr lang="zh-CN" altLang="en-US" dirty="0" smtClean="0"/>
+              <a:t>*</a:t>
+            </a:r>
+            <a:r>
+              <a:rPr lang="en-US" altLang="zh-CN" dirty="0" smtClean="0"/>
+              <a:t>40cm</a:t>
+            </a:r>
+            <a:r>
+              <a:rPr lang="zh-CN" altLang="en-US" dirty="0" smtClean="0"/>
+              <a:t>探测器，保留接口</a:t>
+            </a:r>
+            <a:r>
+              <a:rPr lang="en-US" altLang="zh-CN" dirty="0" smtClean="0"/>
+              <a:t>15</a:t>
             </a:r>
             <a:r>
               <a:rPr lang="zh-CN" altLang="en-US" dirty="0" smtClean="0"/>
@@ -4082,28 +5062,12 @@
           <a:p>
             <a:pPr lvl="2"/>
             <a:r>
-              <a:rPr lang="zh-CN" altLang="en-US" dirty="0" smtClean="0"/>
-              <a:t>后续</a:t>
-            </a:r>
-            <a:r>
-              <a:rPr lang="en-US" altLang="zh-CN" dirty="0" smtClean="0"/>
-              <a:t>40cm</a:t>
-            </a:r>
-            <a:r>
-              <a:rPr lang="zh-CN" altLang="en-US" dirty="0" smtClean="0"/>
-              <a:t>*</a:t>
-            </a:r>
-            <a:r>
-              <a:rPr lang="en-US" altLang="zh-CN" dirty="0" smtClean="0"/>
-              <a:t>40cm</a:t>
-            </a:r>
-            <a:r>
-              <a:rPr lang="zh-CN" altLang="en-US" dirty="0" smtClean="0"/>
-              <a:t>探测器，保留接口</a:t>
-            </a:r>
-            <a:r>
-              <a:rPr lang="en-US" altLang="zh-CN" dirty="0" smtClean="0"/>
-              <a:t>15</a:t>
+              <a:rPr lang="zh-CN" altLang="en-US" dirty="0"/>
+              <a:t>片选信号：</a:t>
+            </a:r>
+            <a:r>
+              <a:rPr lang="en-US" altLang="zh-CN" dirty="0"/>
+              <a:t>6</a:t>
             </a:r>
             <a:r>
               <a:rPr lang="zh-CN" altLang="en-US" dirty="0" smtClean="0"/>
@@ -4159,30 +5123,6 @@
       </p:pic>
       <p:pic>
         <p:nvPicPr>
-          <p:cNvPr id="5" name="图片 4"/>
-          <p:cNvPicPr>
-            <a:picLocks noChangeAspect="1"/>
-          </p:cNvPicPr>
-          <p:nvPr/>
-        </p:nvPicPr>
-        <p:blipFill>
-          <a:blip r:embed="rId3"/>
-          <a:stretch>
-            <a:fillRect/>
-          </a:stretch>
-        </p:blipFill>
-        <p:spPr>
-          <a:xfrm>
-            <a:off x="5983881" y="3491938"/>
-            <a:ext cx="3096975" cy="2965867"/>
-          </a:xfrm>
-          <a:prstGeom prst="rect">
-            <a:avLst/>
-          </a:prstGeom>
-        </p:spPr>
-      </p:pic>
-      <p:pic>
-        <p:nvPicPr>
           <p:cNvPr id="6" name="图片 5"/>
           <p:cNvPicPr>
             <a:picLocks noChangeAspect="1"/>
@@ -4190,7 +5130,7 @@
           <p:nvPr/>
         </p:nvPicPr>
         <p:blipFill>
-          <a:blip r:embed="rId4">
+          <a:blip r:embed="rId3">
             <a:extLst>
               <a:ext uri="{28A0092B-C50C-407E-A947-70E740481C1C}">
                 <a14:useLocalDpi xmlns:a14="http://schemas.microsoft.com/office/drawing/2010/main" val="0"/>
@@ -4211,245 +5151,24 @@
           </a:prstGeom>
         </p:spPr>
       </p:pic>
-    </p:spTree>
-    <p:extLst>
-      <p:ext uri="{BB962C8B-B14F-4D97-AF65-F5344CB8AC3E}">
-        <p14:creationId xmlns:p14="http://schemas.microsoft.com/office/powerpoint/2010/main" val="3272800720"/>
-      </p:ext>
-    </p:extLst>
-  </p:cSld>
-  <p:clrMapOvr>
-    <a:masterClrMapping/>
-  </p:clrMapOvr>
-</p:sld>
-</file>
-
-<file path=ppt/slides/slide3.xml><?xml version="1.0" encoding="utf-8"?>
-<p:sld xmlns:a="http://schemas.openxmlformats.org/drawingml/2006/main" xmlns:r="http://schemas.openxmlformats.org/officeDocument/2006/relationships" xmlns:p="http://schemas.openxmlformats.org/presentationml/2006/main">
-  <p:cSld>
-    <p:spTree>
-      <p:nvGrpSpPr>
-        <p:cNvPr id="1" name=""/>
-        <p:cNvGrpSpPr/>
-        <p:nvPr/>
-      </p:nvGrpSpPr>
-      <p:grpSpPr>
-        <a:xfrm>
-          <a:off x="0" y="0"/>
-          <a:ext cx="0" cy="0"/>
-          <a:chOff x="0" y="0"/>
-          <a:chExt cx="0" cy="0"/>
-        </a:xfrm>
-      </p:grpSpPr>
-      <p:sp>
-        <p:nvSpPr>
-          <p:cNvPr id="2" name="标题 1"/>
-          <p:cNvSpPr>
-            <a:spLocks noGrp="1"/>
-          </p:cNvSpPr>
-          <p:nvPr>
-            <p:ph type="title"/>
-          </p:nvPr>
-        </p:nvSpPr>
-        <p:spPr/>
-        <p:txBody>
-          <a:bodyPr/>
-          <a:lstStyle/>
-          <a:p>
-            <a:r>
-              <a:rPr lang="zh-CN" altLang="en-US" dirty="0" smtClean="0"/>
-              <a:t>下一步改板计划</a:t>
-            </a:r>
-            <a:endParaRPr lang="zh-CN" altLang="en-US" dirty="0"/>
-          </a:p>
-        </p:txBody>
-      </p:sp>
-      <p:sp>
-        <p:nvSpPr>
-          <p:cNvPr id="3" name="内容占位符 2"/>
-          <p:cNvSpPr>
-            <a:spLocks noGrp="1"/>
-          </p:cNvSpPr>
-          <p:nvPr>
-            <p:ph idx="1"/>
-          </p:nvPr>
-        </p:nvSpPr>
-        <p:spPr/>
-        <p:txBody>
-          <a:bodyPr/>
-          <a:lstStyle/>
-          <a:p>
-            <a:r>
-              <a:rPr lang="en-US" altLang="zh-CN" dirty="0" smtClean="0"/>
-              <a:t>DIF</a:t>
-            </a:r>
-            <a:r>
-              <a:rPr lang="zh-CN" altLang="en-US" dirty="0" smtClean="0"/>
-              <a:t>板</a:t>
-            </a:r>
-            <a:endParaRPr lang="en-US" altLang="zh-CN" dirty="0" smtClean="0"/>
-          </a:p>
-          <a:p>
-            <a:pPr lvl="1"/>
-            <a:r>
-              <a:rPr lang="zh-CN" altLang="en-US" dirty="0" smtClean="0"/>
-              <a:t>采用和现在相同的</a:t>
-            </a:r>
-            <a:r>
-              <a:rPr lang="en-US" altLang="zh-CN" dirty="0" smtClean="0"/>
-              <a:t>A7</a:t>
-            </a:r>
-            <a:r>
-              <a:rPr lang="zh-CN" altLang="en-US" dirty="0" smtClean="0"/>
-              <a:t>系列</a:t>
-            </a:r>
-            <a:r>
-              <a:rPr lang="en-US" altLang="zh-CN" dirty="0" smtClean="0"/>
-              <a:t>FPGA</a:t>
-            </a:r>
-          </a:p>
-          <a:p>
-            <a:pPr lvl="1"/>
-            <a:r>
-              <a:rPr lang="zh-CN" altLang="en-US" dirty="0" smtClean="0"/>
-              <a:t>连接器采用</a:t>
-            </a:r>
-            <a:r>
-              <a:rPr lang="en-US" altLang="zh-CN" dirty="0" err="1" smtClean="0"/>
-              <a:t>PandaX</a:t>
-            </a:r>
-            <a:r>
-              <a:rPr lang="en-US" altLang="zh-CN" dirty="0" smtClean="0"/>
-              <a:t> III</a:t>
-            </a:r>
-            <a:r>
-              <a:rPr lang="zh-CN" altLang="en-US" dirty="0" smtClean="0"/>
-              <a:t>的表贴连接器</a:t>
-            </a:r>
-            <a:endParaRPr lang="en-US" altLang="zh-CN" dirty="0" smtClean="0"/>
-          </a:p>
-          <a:p>
-            <a:pPr lvl="1"/>
-            <a:r>
-              <a:rPr lang="zh-CN" altLang="en-US" dirty="0" smtClean="0"/>
-              <a:t>和</a:t>
-            </a:r>
-            <a:r>
-              <a:rPr lang="en-US" altLang="zh-CN" dirty="0" smtClean="0"/>
-              <a:t>DAQ</a:t>
-            </a:r>
-            <a:r>
-              <a:rPr lang="zh-CN" altLang="en-US" dirty="0" smtClean="0"/>
-              <a:t>板通讯采用</a:t>
-            </a:r>
-            <a:r>
-              <a:rPr lang="en-US" altLang="zh-CN" dirty="0" smtClean="0"/>
-              <a:t>USB Type C</a:t>
-            </a:r>
-            <a:r>
-              <a:rPr lang="zh-CN" altLang="en-US" dirty="0" smtClean="0"/>
-              <a:t>接口</a:t>
-            </a:r>
-            <a:endParaRPr lang="en-US" altLang="zh-CN" dirty="0" smtClean="0"/>
-          </a:p>
-          <a:p>
-            <a:pPr lvl="2"/>
-            <a:r>
-              <a:rPr lang="zh-CN" altLang="en-US" dirty="0" smtClean="0"/>
-              <a:t>两</a:t>
-            </a:r>
-            <a:r>
-              <a:rPr lang="zh-CN" altLang="en-US" dirty="0"/>
-              <a:t>个</a:t>
-            </a:r>
-            <a:r>
-              <a:rPr lang="en-US" altLang="zh-CN" dirty="0" smtClean="0"/>
-              <a:t>Type C</a:t>
-            </a:r>
-            <a:r>
-              <a:rPr lang="zh-CN" altLang="en-US" dirty="0" smtClean="0"/>
-              <a:t>共</a:t>
-            </a:r>
-            <a:r>
-              <a:rPr lang="en-US" altLang="zh-CN" dirty="0" smtClean="0"/>
-              <a:t>6</a:t>
-            </a:r>
-            <a:r>
-              <a:rPr lang="zh-CN" altLang="en-US" dirty="0" smtClean="0"/>
-              <a:t>对</a:t>
-            </a:r>
-            <a:r>
-              <a:rPr lang="en-US" altLang="zh-CN" dirty="0" smtClean="0"/>
-              <a:t>LVDS</a:t>
-            </a:r>
-          </a:p>
-          <a:p>
-            <a:pPr lvl="1"/>
-            <a:r>
-              <a:rPr lang="zh-CN" altLang="en-US" dirty="0" smtClean="0"/>
-              <a:t>保留光纤接口兼容</a:t>
-            </a:r>
-            <a:r>
-              <a:rPr lang="en-US" altLang="zh-CN" dirty="0" smtClean="0"/>
-              <a:t>FELIX</a:t>
-            </a:r>
-          </a:p>
-          <a:p>
-            <a:pPr lvl="1"/>
-            <a:r>
-              <a:rPr lang="en-US" altLang="zh-CN" dirty="0" smtClean="0"/>
-              <a:t>Cy68013</a:t>
-            </a:r>
-            <a:r>
-              <a:rPr lang="zh-CN" altLang="en-US" dirty="0" smtClean="0"/>
-              <a:t>用作调试用</a:t>
-            </a:r>
-            <a:endParaRPr lang="en-US" altLang="zh-CN" dirty="0" smtClean="0"/>
-          </a:p>
-          <a:p>
-            <a:pPr lvl="1"/>
-            <a:r>
-              <a:rPr lang="en-US" altLang="zh-CN" dirty="0" smtClean="0"/>
-              <a:t>ADC</a:t>
-            </a:r>
-            <a:r>
-              <a:rPr lang="zh-CN" altLang="en-US" dirty="0" smtClean="0"/>
-              <a:t>用来采峰保信号</a:t>
-            </a:r>
-            <a:endParaRPr lang="en-US" altLang="zh-CN" dirty="0" smtClean="0"/>
-          </a:p>
-          <a:p>
-            <a:pPr lvl="1"/>
-            <a:r>
-              <a:rPr lang="en-US" altLang="zh-CN" dirty="0" smtClean="0"/>
-              <a:t>DIF</a:t>
-            </a:r>
-            <a:r>
-              <a:rPr lang="zh-CN" altLang="en-US" dirty="0" smtClean="0"/>
-              <a:t>板和探测器采用柔性版连接</a:t>
-            </a:r>
-            <a:endParaRPr lang="zh-CN" altLang="en-US" dirty="0"/>
-          </a:p>
-        </p:txBody>
-      </p:sp>
       <p:pic>
         <p:nvPicPr>
-          <p:cNvPr id="4" name="图片 3"/>
+          <p:cNvPr id="7" name="图片 6"/>
           <p:cNvPicPr>
             <a:picLocks noChangeAspect="1"/>
           </p:cNvPicPr>
           <p:nvPr/>
         </p:nvPicPr>
         <p:blipFill>
-          <a:blip r:embed="rId2"/>
+          <a:blip r:embed="rId4"/>
           <a:stretch>
             <a:fillRect/>
           </a:stretch>
         </p:blipFill>
         <p:spPr>
           <a:xfrm>
-            <a:off x="6741800" y="2576463"/>
-            <a:ext cx="2168775" cy="2045734"/>
+            <a:off x="5937041" y="3471037"/>
+            <a:ext cx="3096975" cy="2965867"/>
           </a:xfrm>
           <a:prstGeom prst="rect">
             <a:avLst/>
@@ -4459,215 +5178,7 @@
     </p:spTree>
     <p:extLst>
       <p:ext uri="{BB962C8B-B14F-4D97-AF65-F5344CB8AC3E}">
-        <p14:creationId xmlns:p14="http://schemas.microsoft.com/office/powerpoint/2010/main" val="2792107965"/>
-      </p:ext>
-    </p:extLst>
-  </p:cSld>
-  <p:clrMapOvr>
-    <a:masterClrMapping/>
-  </p:clrMapOvr>
-</p:sld>
-</file>
-
-<file path=ppt/slides/slide4.xml><?xml version="1.0" encoding="utf-8"?>
-<p:sld xmlns:a="http://schemas.openxmlformats.org/drawingml/2006/main" xmlns:r="http://schemas.openxmlformats.org/officeDocument/2006/relationships" xmlns:p="http://schemas.openxmlformats.org/presentationml/2006/main">
-  <p:cSld>
-    <p:spTree>
-      <p:nvGrpSpPr>
-        <p:cNvPr id="1" name=""/>
-        <p:cNvGrpSpPr/>
-        <p:nvPr/>
-      </p:nvGrpSpPr>
-      <p:grpSpPr>
-        <a:xfrm>
-          <a:off x="0" y="0"/>
-          <a:ext cx="0" cy="0"/>
-          <a:chOff x="0" y="0"/>
-          <a:chExt cx="0" cy="0"/>
-        </a:xfrm>
-      </p:grpSpPr>
-      <p:sp>
-        <p:nvSpPr>
-          <p:cNvPr id="2" name="标题 1"/>
-          <p:cNvSpPr>
-            <a:spLocks noGrp="1"/>
-          </p:cNvSpPr>
-          <p:nvPr>
-            <p:ph type="title"/>
-          </p:nvPr>
-        </p:nvSpPr>
-        <p:spPr/>
-        <p:txBody>
-          <a:bodyPr/>
-          <a:lstStyle/>
-          <a:p>
-            <a:r>
-              <a:rPr lang="zh-CN" altLang="en-US" dirty="0" smtClean="0"/>
-              <a:t>目前的问题</a:t>
-            </a:r>
-            <a:endParaRPr lang="zh-CN" altLang="en-US" dirty="0"/>
-          </a:p>
-        </p:txBody>
-      </p:sp>
-      <p:sp>
-        <p:nvSpPr>
-          <p:cNvPr id="3" name="内容占位符 2"/>
-          <p:cNvSpPr>
-            <a:spLocks noGrp="1"/>
-          </p:cNvSpPr>
-          <p:nvPr>
-            <p:ph idx="1"/>
-          </p:nvPr>
-        </p:nvSpPr>
-        <p:spPr/>
-        <p:txBody>
-          <a:bodyPr/>
-          <a:lstStyle/>
-          <a:p>
-            <a:r>
-              <a:rPr lang="en-US" altLang="zh-CN" dirty="0" smtClean="0"/>
-              <a:t>Microroc</a:t>
-            </a:r>
-            <a:r>
-              <a:rPr lang="zh-CN" altLang="en-US" dirty="0" smtClean="0"/>
-              <a:t>没有了，</a:t>
-            </a:r>
-            <a:r>
-              <a:rPr lang="en-US" altLang="zh-CN" dirty="0" smtClean="0"/>
-              <a:t>Omega</a:t>
-            </a:r>
-            <a:r>
-              <a:rPr lang="zh-CN" altLang="en-US" dirty="0" smtClean="0"/>
-              <a:t>推荐了新的芯片</a:t>
-            </a:r>
-            <a:r>
-              <a:rPr lang="en-US" altLang="zh-CN" dirty="0" smtClean="0"/>
-              <a:t>GEMROC</a:t>
-            </a:r>
-          </a:p>
-          <a:p>
-            <a:endParaRPr lang="en-US" altLang="zh-CN" dirty="0"/>
-          </a:p>
-          <a:p>
-            <a:pPr lvl="1"/>
-            <a:r>
-              <a:rPr lang="zh-CN" altLang="en-US" dirty="0" smtClean="0"/>
-              <a:t>等待法国人回邮件</a:t>
-            </a:r>
-            <a:endParaRPr lang="en-US" altLang="zh-CN" dirty="0" smtClean="0"/>
-          </a:p>
-          <a:p>
-            <a:pPr lvl="1"/>
-            <a:r>
-              <a:rPr lang="zh-CN" altLang="en-US" dirty="0" smtClean="0"/>
-              <a:t>经过调研</a:t>
-            </a:r>
-            <a:r>
-              <a:rPr lang="zh-CN" altLang="en-US" dirty="0"/>
-              <a:t>，</a:t>
-            </a:r>
-            <a:r>
-              <a:rPr lang="zh-CN" altLang="en-US" dirty="0" smtClean="0"/>
-              <a:t>没有更好的数字读出芯片</a:t>
-            </a:r>
-            <a:endParaRPr lang="en-US" altLang="zh-CN" dirty="0" smtClean="0"/>
-          </a:p>
-          <a:p>
-            <a:pPr lvl="1"/>
-            <a:r>
-              <a:rPr lang="zh-CN" altLang="en-US" dirty="0" smtClean="0"/>
-              <a:t>现在的计划</a:t>
-            </a:r>
-            <a:endParaRPr lang="en-US" altLang="zh-CN" dirty="0" smtClean="0"/>
-          </a:p>
-          <a:p>
-            <a:pPr lvl="2"/>
-            <a:r>
-              <a:rPr lang="zh-CN" altLang="en-US" dirty="0" smtClean="0"/>
-              <a:t>测试</a:t>
-            </a:r>
-            <a:r>
-              <a:rPr lang="en-US" altLang="zh-CN" dirty="0" smtClean="0"/>
-              <a:t>GEMROC</a:t>
-            </a:r>
-            <a:r>
-              <a:rPr lang="zh-CN" altLang="en-US" dirty="0" smtClean="0"/>
-              <a:t>，然后再使用</a:t>
-            </a:r>
-            <a:endParaRPr lang="zh-CN" altLang="en-US" dirty="0"/>
-          </a:p>
-        </p:txBody>
-      </p:sp>
-      <p:sp>
-        <p:nvSpPr>
-          <p:cNvPr id="5" name="文本框 4"/>
-          <p:cNvSpPr txBox="1"/>
-          <p:nvPr/>
-        </p:nvSpPr>
-        <p:spPr>
-          <a:xfrm>
-            <a:off x="822958" y="1931535"/>
-            <a:ext cx="7765229" cy="923330"/>
-          </a:xfrm>
-          <a:prstGeom prst="rect">
-            <a:avLst/>
-          </a:prstGeom>
-          <a:noFill/>
-        </p:spPr>
-        <p:txBody>
-          <a:bodyPr wrap="square" rtlCol="0">
-            <a:spAutoFit/>
-          </a:bodyPr>
-          <a:lstStyle/>
-          <a:p>
-            <a:r>
-              <a:rPr lang="en-US" altLang="zh-CN" dirty="0">
-                <a:solidFill>
-                  <a:srgbClr val="FF0000"/>
-                </a:solidFill>
-              </a:rPr>
-              <a:t>We don't have anymore MICROROC chips</a:t>
-            </a:r>
-            <a:r>
-              <a:rPr lang="en-US" altLang="zh-CN" dirty="0"/>
-              <a:t>, however, </a:t>
-            </a:r>
-            <a:r>
-              <a:rPr lang="en-US" altLang="zh-CN" dirty="0" err="1">
-                <a:solidFill>
-                  <a:srgbClr val="FF0000"/>
-                </a:solidFill>
-              </a:rPr>
-              <a:t>Weeroc</a:t>
-            </a:r>
-            <a:r>
-              <a:rPr lang="en-US" altLang="zh-CN" dirty="0">
-                <a:solidFill>
-                  <a:srgbClr val="FF0000"/>
-                </a:solidFill>
-              </a:rPr>
-              <a:t> company has a licensed version of this chip called GEMROC </a:t>
-            </a:r>
-            <a:r>
-              <a:rPr lang="en-US" altLang="zh-CN" dirty="0"/>
-              <a:t>which is packaged in PQFP160 (not TQFP), but we don't have a </a:t>
-            </a:r>
-            <a:r>
-              <a:rPr lang="en-US" altLang="zh-CN" dirty="0" err="1"/>
-              <a:t>testboard</a:t>
-            </a:r>
-            <a:r>
-              <a:rPr lang="en-US" altLang="zh-CN" dirty="0"/>
-              <a:t> to test them.</a:t>
-            </a:r>
-            <a:endParaRPr lang="zh-CN" altLang="en-US" dirty="0"/>
-          </a:p>
-        </p:txBody>
-      </p:sp>
-    </p:spTree>
-    <p:extLst>
-      <p:ext uri="{BB962C8B-B14F-4D97-AF65-F5344CB8AC3E}">
-        <p14:creationId xmlns:p14="http://schemas.microsoft.com/office/powerpoint/2010/main" val="819784125"/>
+        <p14:creationId xmlns:p14="http://schemas.microsoft.com/office/powerpoint/2010/main" val="3272800720"/>
       </p:ext>
     </p:extLst>
   </p:cSld>
@@ -4710,12 +5221,8 @@
           <a:lstStyle/>
           <a:p>
             <a:r>
-              <a:rPr lang="en-US" altLang="zh-CN" dirty="0" smtClean="0"/>
-              <a:t>Back U</a:t>
-            </a:r>
-            <a:r>
-              <a:rPr lang="en-US" altLang="zh-CN" dirty="0"/>
-              <a:t>p</a:t>
+              <a:rPr lang="zh-CN" altLang="en-US" dirty="0" smtClean="0"/>
+              <a:t>阳极板</a:t>
             </a:r>
             <a:endParaRPr lang="zh-CN" altLang="en-US" dirty="0"/>
           </a:p>
@@ -4731,1092 +5238,19 @@
             <p:ph idx="1"/>
           </p:nvPr>
         </p:nvSpPr>
-        <p:spPr>
-          <a:xfrm>
-            <a:off x="822959" y="1175395"/>
-            <a:ext cx="7543801" cy="5619852"/>
-          </a:xfrm>
-        </p:spPr>
+        <p:spPr/>
         <p:txBody>
           <a:bodyPr/>
           <a:lstStyle/>
           <a:p>
-            <a:r>
-              <a:rPr lang="zh-CN" altLang="en-US" dirty="0" smtClean="0"/>
-              <a:t>数字读出芯片调研</a:t>
-            </a:r>
-            <a:endParaRPr lang="en-US" altLang="zh-CN" dirty="0" smtClean="0"/>
-          </a:p>
-          <a:p>
-            <a:endParaRPr lang="en-US" altLang="zh-CN" dirty="0"/>
-          </a:p>
-          <a:p>
-            <a:endParaRPr lang="en-US" altLang="zh-CN" dirty="0" smtClean="0"/>
-          </a:p>
-          <a:p>
-            <a:endParaRPr lang="en-US" altLang="zh-CN" dirty="0"/>
-          </a:p>
-          <a:p>
-            <a:pPr lvl="1"/>
-            <a:endParaRPr lang="en-US" altLang="zh-CN" dirty="0" smtClean="0"/>
-          </a:p>
-          <a:p>
-            <a:pPr lvl="1"/>
-            <a:r>
-              <a:rPr lang="en-US" altLang="zh-CN" dirty="0" smtClean="0"/>
-              <a:t>DIRAC</a:t>
-            </a:r>
-            <a:r>
-              <a:rPr lang="zh-CN" altLang="en-US" dirty="0" smtClean="0"/>
-              <a:t>感觉是</a:t>
-            </a:r>
-            <a:r>
-              <a:rPr lang="en-US" altLang="zh-CN" dirty="0" smtClean="0"/>
-              <a:t>Microroc</a:t>
-            </a:r>
-            <a:r>
-              <a:rPr lang="zh-CN" altLang="en-US" smtClean="0"/>
-              <a:t>的前身</a:t>
-            </a:r>
-            <a:endParaRPr lang="en-US" altLang="zh-CN" dirty="0" smtClean="0"/>
-          </a:p>
-          <a:p>
-            <a:endParaRPr lang="en-US" altLang="zh-CN" dirty="0"/>
-          </a:p>
-          <a:p>
-            <a:endParaRPr lang="en-US" altLang="zh-CN" dirty="0" smtClean="0"/>
-          </a:p>
-          <a:p>
-            <a:endParaRPr lang="en-US" altLang="zh-CN" dirty="0"/>
-          </a:p>
-          <a:p>
-            <a:endParaRPr lang="en-US" altLang="zh-CN" dirty="0" smtClean="0"/>
-          </a:p>
-        </p:txBody>
-      </p:sp>
-      <p:graphicFrame>
-        <p:nvGraphicFramePr>
-          <p:cNvPr id="4" name="表格 3"/>
-          <p:cNvGraphicFramePr>
-            <a:graphicFrameLocks noGrp="1"/>
-          </p:cNvGraphicFramePr>
-          <p:nvPr>
-            <p:extLst>
-              <p:ext uri="{D42A27DB-BD31-4B8C-83A1-F6EECF244321}">
-                <p14:modId xmlns:p14="http://schemas.microsoft.com/office/powerpoint/2010/main" val="3914965180"/>
-              </p:ext>
-            </p:extLst>
-          </p:nvPr>
-        </p:nvGraphicFramePr>
-        <p:xfrm>
-          <a:off x="268932" y="1713840"/>
-          <a:ext cx="8792627" cy="1926702"/>
-        </p:xfrm>
-        <a:graphic>
-          <a:graphicData uri="http://schemas.openxmlformats.org/drawingml/2006/table">
-            <a:tbl>
-              <a:tblPr firstRow="1" firstCol="1" bandRow="1">
-                <a:tableStyleId>{6E25E649-3F16-4E02-A733-19D2CDBF48F0}</a:tableStyleId>
-              </a:tblPr>
-              <a:tblGrid>
-                <a:gridCol w="1630714"/>
-                <a:gridCol w="1084263"/>
-                <a:gridCol w="1917978"/>
-                <a:gridCol w="1267360"/>
-                <a:gridCol w="2892312"/>
-              </a:tblGrid>
-              <a:tr h="272568">
-                <a:tc>
-                  <a:txBody>
-                    <a:bodyPr/>
-                    <a:lstStyle/>
-                    <a:p>
-                      <a:pPr algn="just">
-                        <a:spcAft>
-                          <a:spcPts val="0"/>
-                        </a:spcAft>
-                      </a:pPr>
-                      <a:r>
-                        <a:rPr lang="zh-CN" altLang="en-US" sz="1800" kern="100" dirty="0" smtClean="0">
-                          <a:effectLst/>
-                        </a:rPr>
-                        <a:t>数字读出</a:t>
-                      </a:r>
-                      <a:r>
-                        <a:rPr lang="zh-CN" sz="1800" kern="100" dirty="0" smtClean="0">
-                          <a:effectLst/>
-                        </a:rPr>
-                        <a:t>芯片</a:t>
-                      </a:r>
-                      <a:endParaRPr lang="zh-CN" sz="1800" kern="100" dirty="0">
-                        <a:solidFill>
-                          <a:schemeClr val="tx1"/>
-                        </a:solidFill>
-                        <a:effectLst/>
-                        <a:latin typeface="Times New Roman" panose="02020603050405020304" pitchFamily="18" charset="0"/>
-                        <a:ea typeface="宋体" panose="02010600030101010101" pitchFamily="2" charset="-122"/>
-                        <a:cs typeface="Times New Roman" panose="02020603050405020304" pitchFamily="18" charset="0"/>
-                      </a:endParaRPr>
-                    </a:p>
-                  </a:txBody>
-                  <a:tcPr marL="68580" marR="68580" marT="0" marB="0"/>
-                </a:tc>
-                <a:tc>
-                  <a:txBody>
-                    <a:bodyPr/>
-                    <a:lstStyle/>
-                    <a:p>
-                      <a:pPr algn="just">
-                        <a:spcAft>
-                          <a:spcPts val="0"/>
-                        </a:spcAft>
-                      </a:pPr>
-                      <a:r>
-                        <a:rPr lang="zh-CN" sz="1800" kern="100">
-                          <a:effectLst/>
-                        </a:rPr>
-                        <a:t>通道数</a:t>
-                      </a:r>
-                      <a:endParaRPr lang="zh-CN" sz="1800" kern="100">
-                        <a:solidFill>
-                          <a:schemeClr val="tx1"/>
-                        </a:solidFill>
-                        <a:effectLst/>
-                        <a:latin typeface="Times New Roman" panose="02020603050405020304" pitchFamily="18" charset="0"/>
-                        <a:ea typeface="宋体" panose="02010600030101010101" pitchFamily="2" charset="-122"/>
-                        <a:cs typeface="Times New Roman" panose="02020603050405020304" pitchFamily="18" charset="0"/>
-                      </a:endParaRPr>
-                    </a:p>
-                  </a:txBody>
-                  <a:tcPr marL="68580" marR="68580" marT="0" marB="0"/>
-                </a:tc>
-                <a:tc>
-                  <a:txBody>
-                    <a:bodyPr/>
-                    <a:lstStyle/>
-                    <a:p>
-                      <a:pPr algn="just">
-                        <a:spcAft>
-                          <a:spcPts val="0"/>
-                        </a:spcAft>
-                      </a:pPr>
-                      <a:r>
-                        <a:rPr lang="zh-CN" sz="1800" kern="100" dirty="0">
-                          <a:effectLst/>
-                        </a:rPr>
-                        <a:t>动态范围</a:t>
-                      </a:r>
-                      <a:endParaRPr lang="zh-CN" sz="1800" kern="100" dirty="0">
-                        <a:solidFill>
-                          <a:schemeClr val="tx1"/>
-                        </a:solidFill>
-                        <a:effectLst/>
-                        <a:latin typeface="Times New Roman" panose="02020603050405020304" pitchFamily="18" charset="0"/>
-                        <a:ea typeface="宋体" panose="02010600030101010101" pitchFamily="2" charset="-122"/>
-                        <a:cs typeface="Times New Roman" panose="02020603050405020304" pitchFamily="18" charset="0"/>
-                      </a:endParaRPr>
-                    </a:p>
-                  </a:txBody>
-                  <a:tcPr marL="68580" marR="68580" marT="0" marB="0"/>
-                </a:tc>
-                <a:tc>
-                  <a:txBody>
-                    <a:bodyPr/>
-                    <a:lstStyle/>
-                    <a:p>
-                      <a:pPr algn="just">
-                        <a:spcAft>
-                          <a:spcPts val="0"/>
-                        </a:spcAft>
-                      </a:pPr>
-                      <a:r>
-                        <a:rPr lang="zh-CN" sz="1800" kern="100">
-                          <a:effectLst/>
-                        </a:rPr>
-                        <a:t>单阈</a:t>
-                      </a:r>
-                      <a:r>
-                        <a:rPr lang="en-US" sz="1800" kern="100">
-                          <a:effectLst/>
-                        </a:rPr>
-                        <a:t>/</a:t>
-                      </a:r>
-                      <a:r>
-                        <a:rPr lang="zh-CN" sz="1800" kern="100">
-                          <a:effectLst/>
-                        </a:rPr>
-                        <a:t>多阈</a:t>
-                      </a:r>
-                      <a:endParaRPr lang="zh-CN" sz="1800" kern="100">
-                        <a:solidFill>
-                          <a:schemeClr val="tx1"/>
-                        </a:solidFill>
-                        <a:effectLst/>
-                        <a:latin typeface="Times New Roman" panose="02020603050405020304" pitchFamily="18" charset="0"/>
-                        <a:ea typeface="宋体" panose="02010600030101010101" pitchFamily="2" charset="-122"/>
-                        <a:cs typeface="Times New Roman" panose="02020603050405020304" pitchFamily="18" charset="0"/>
-                      </a:endParaRPr>
-                    </a:p>
-                  </a:txBody>
-                  <a:tcPr marL="68580" marR="68580" marT="0" marB="0"/>
-                </a:tc>
-                <a:tc>
-                  <a:txBody>
-                    <a:bodyPr/>
-                    <a:lstStyle/>
-                    <a:p>
-                      <a:pPr algn="just">
-                        <a:spcAft>
-                          <a:spcPts val="0"/>
-                        </a:spcAft>
-                      </a:pPr>
-                      <a:r>
-                        <a:rPr lang="zh-CN" sz="1800" kern="100">
-                          <a:effectLst/>
-                        </a:rPr>
-                        <a:t>功耗</a:t>
-                      </a:r>
-                      <a:endParaRPr lang="zh-CN" sz="1800" kern="100">
-                        <a:solidFill>
-                          <a:schemeClr val="tx1"/>
-                        </a:solidFill>
-                        <a:effectLst/>
-                        <a:latin typeface="Times New Roman" panose="02020603050405020304" pitchFamily="18" charset="0"/>
-                        <a:ea typeface="宋体" panose="02010600030101010101" pitchFamily="2" charset="-122"/>
-                        <a:cs typeface="Times New Roman" panose="02020603050405020304" pitchFamily="18" charset="0"/>
-                      </a:endParaRPr>
-                    </a:p>
-                  </a:txBody>
-                  <a:tcPr marL="68580" marR="68580" marT="0" marB="0"/>
-                </a:tc>
-              </a:tr>
-              <a:tr h="272568">
-                <a:tc>
-                  <a:txBody>
-                    <a:bodyPr/>
-                    <a:lstStyle/>
-                    <a:p>
-                      <a:pPr algn="just">
-                        <a:spcAft>
-                          <a:spcPts val="0"/>
-                        </a:spcAft>
-                      </a:pPr>
-                      <a:r>
-                        <a:rPr lang="en-US" sz="1800" kern="100">
-                          <a:effectLst/>
-                        </a:rPr>
-                        <a:t>GASTONE</a:t>
-                      </a:r>
-                      <a:endParaRPr lang="zh-CN" sz="1800" kern="100">
-                        <a:solidFill>
-                          <a:schemeClr val="tx1"/>
-                        </a:solidFill>
-                        <a:effectLst/>
-                        <a:latin typeface="Times New Roman" panose="02020603050405020304" pitchFamily="18" charset="0"/>
-                        <a:ea typeface="宋体" panose="02010600030101010101" pitchFamily="2" charset="-122"/>
-                        <a:cs typeface="Times New Roman" panose="02020603050405020304" pitchFamily="18" charset="0"/>
-                      </a:endParaRPr>
-                    </a:p>
-                  </a:txBody>
-                  <a:tcPr marL="68580" marR="68580" marT="0" marB="0"/>
-                </a:tc>
-                <a:tc>
-                  <a:txBody>
-                    <a:bodyPr/>
-                    <a:lstStyle/>
-                    <a:p>
-                      <a:pPr algn="just">
-                        <a:spcAft>
-                          <a:spcPts val="0"/>
-                        </a:spcAft>
-                      </a:pPr>
-                      <a:r>
-                        <a:rPr lang="en-US" sz="1800" kern="100">
-                          <a:effectLst/>
-                        </a:rPr>
-                        <a:t>64</a:t>
-                      </a:r>
-                      <a:endParaRPr lang="zh-CN" sz="1800" kern="100">
-                        <a:solidFill>
-                          <a:schemeClr val="tx1"/>
-                        </a:solidFill>
-                        <a:effectLst/>
-                        <a:latin typeface="Times New Roman" panose="02020603050405020304" pitchFamily="18" charset="0"/>
-                        <a:ea typeface="宋体" panose="02010600030101010101" pitchFamily="2" charset="-122"/>
-                        <a:cs typeface="Times New Roman" panose="02020603050405020304" pitchFamily="18" charset="0"/>
-                      </a:endParaRPr>
-                    </a:p>
-                  </a:txBody>
-                  <a:tcPr marL="68580" marR="68580" marT="0" marB="0"/>
-                </a:tc>
-                <a:tc>
-                  <a:txBody>
-                    <a:bodyPr/>
-                    <a:lstStyle/>
-                    <a:p>
-                      <a:pPr algn="just">
-                        <a:spcAft>
-                          <a:spcPts val="0"/>
-                        </a:spcAft>
-                      </a:pPr>
-                      <a:r>
-                        <a:rPr lang="en-US" sz="1800" kern="100" dirty="0">
-                          <a:effectLst/>
-                        </a:rPr>
-                        <a:t>200fC</a:t>
-                      </a:r>
-                      <a:endParaRPr lang="zh-CN" sz="1800" kern="100" dirty="0">
-                        <a:solidFill>
-                          <a:schemeClr val="tx1"/>
-                        </a:solidFill>
-                        <a:effectLst/>
-                        <a:latin typeface="Times New Roman" panose="02020603050405020304" pitchFamily="18" charset="0"/>
-                        <a:ea typeface="宋体" panose="02010600030101010101" pitchFamily="2" charset="-122"/>
-                        <a:cs typeface="Times New Roman" panose="02020603050405020304" pitchFamily="18" charset="0"/>
-                      </a:endParaRPr>
-                    </a:p>
-                  </a:txBody>
-                  <a:tcPr marL="68580" marR="68580" marT="0" marB="0"/>
-                </a:tc>
-                <a:tc>
-                  <a:txBody>
-                    <a:bodyPr/>
-                    <a:lstStyle/>
-                    <a:p>
-                      <a:pPr algn="just">
-                        <a:spcAft>
-                          <a:spcPts val="0"/>
-                        </a:spcAft>
-                      </a:pPr>
-                      <a:r>
-                        <a:rPr lang="zh-CN" sz="1800" kern="100">
-                          <a:effectLst/>
-                        </a:rPr>
-                        <a:t>单</a:t>
-                      </a:r>
-                      <a:endParaRPr lang="zh-CN" sz="1800" kern="100">
-                        <a:solidFill>
-                          <a:schemeClr val="tx1"/>
-                        </a:solidFill>
-                        <a:effectLst/>
-                        <a:latin typeface="Times New Roman" panose="02020603050405020304" pitchFamily="18" charset="0"/>
-                        <a:ea typeface="宋体" panose="02010600030101010101" pitchFamily="2" charset="-122"/>
-                        <a:cs typeface="Times New Roman" panose="02020603050405020304" pitchFamily="18" charset="0"/>
-                      </a:endParaRPr>
-                    </a:p>
-                  </a:txBody>
-                  <a:tcPr marL="68580" marR="68580" marT="0" marB="0"/>
-                </a:tc>
-                <a:tc>
-                  <a:txBody>
-                    <a:bodyPr/>
-                    <a:lstStyle/>
-                    <a:p>
-                      <a:pPr algn="just">
-                        <a:spcAft>
-                          <a:spcPts val="0"/>
-                        </a:spcAft>
-                      </a:pPr>
-                      <a:r>
-                        <a:rPr lang="en-US" sz="1800" kern="100">
-                          <a:effectLst/>
-                        </a:rPr>
-                        <a:t>2.4mW/ch</a:t>
-                      </a:r>
-                      <a:endParaRPr lang="zh-CN" sz="1800" kern="100">
-                        <a:solidFill>
-                          <a:schemeClr val="tx1"/>
-                        </a:solidFill>
-                        <a:effectLst/>
-                        <a:latin typeface="Times New Roman" panose="02020603050405020304" pitchFamily="18" charset="0"/>
-                        <a:ea typeface="宋体" panose="02010600030101010101" pitchFamily="2" charset="-122"/>
-                        <a:cs typeface="Times New Roman" panose="02020603050405020304" pitchFamily="18" charset="0"/>
-                      </a:endParaRPr>
-                    </a:p>
-                  </a:txBody>
-                  <a:tcPr marL="68580" marR="68580" marT="0" marB="0"/>
-                </a:tc>
-              </a:tr>
-              <a:tr h="272568">
-                <a:tc>
-                  <a:txBody>
-                    <a:bodyPr/>
-                    <a:lstStyle/>
-                    <a:p>
-                      <a:pPr algn="just">
-                        <a:spcAft>
-                          <a:spcPts val="0"/>
-                        </a:spcAft>
-                      </a:pPr>
-                      <a:r>
-                        <a:rPr lang="en-US" sz="1800" kern="100">
-                          <a:effectLst/>
-                        </a:rPr>
-                        <a:t>VFAT2</a:t>
-                      </a:r>
-                      <a:endParaRPr lang="zh-CN" sz="1800" kern="100">
-                        <a:solidFill>
-                          <a:schemeClr val="tx1"/>
-                        </a:solidFill>
-                        <a:effectLst/>
-                        <a:latin typeface="Times New Roman" panose="02020603050405020304" pitchFamily="18" charset="0"/>
-                        <a:ea typeface="宋体" panose="02010600030101010101" pitchFamily="2" charset="-122"/>
-                        <a:cs typeface="Times New Roman" panose="02020603050405020304" pitchFamily="18" charset="0"/>
-                      </a:endParaRPr>
-                    </a:p>
-                  </a:txBody>
-                  <a:tcPr marL="68580" marR="68580" marT="0" marB="0"/>
-                </a:tc>
-                <a:tc>
-                  <a:txBody>
-                    <a:bodyPr/>
-                    <a:lstStyle/>
-                    <a:p>
-                      <a:pPr algn="just">
-                        <a:spcAft>
-                          <a:spcPts val="0"/>
-                        </a:spcAft>
-                      </a:pPr>
-                      <a:r>
-                        <a:rPr lang="en-US" sz="1800" kern="100">
-                          <a:effectLst/>
-                        </a:rPr>
-                        <a:t>128</a:t>
-                      </a:r>
-                      <a:endParaRPr lang="zh-CN" sz="1800" kern="100">
-                        <a:solidFill>
-                          <a:schemeClr val="tx1"/>
-                        </a:solidFill>
-                        <a:effectLst/>
-                        <a:latin typeface="Times New Roman" panose="02020603050405020304" pitchFamily="18" charset="0"/>
-                        <a:ea typeface="宋体" panose="02010600030101010101" pitchFamily="2" charset="-122"/>
-                        <a:cs typeface="Times New Roman" panose="02020603050405020304" pitchFamily="18" charset="0"/>
-                      </a:endParaRPr>
-                    </a:p>
-                  </a:txBody>
-                  <a:tcPr marL="68580" marR="68580" marT="0" marB="0"/>
-                </a:tc>
-                <a:tc>
-                  <a:txBody>
-                    <a:bodyPr/>
-                    <a:lstStyle/>
-                    <a:p>
-                      <a:pPr algn="just">
-                        <a:spcAft>
-                          <a:spcPts val="0"/>
-                        </a:spcAft>
-                      </a:pPr>
-                      <a:r>
-                        <a:rPr lang="en-US" sz="1800" kern="100">
-                          <a:effectLst/>
-                        </a:rPr>
-                        <a:t>18.5fC</a:t>
-                      </a:r>
-                      <a:endParaRPr lang="zh-CN" sz="1800" kern="100">
-                        <a:solidFill>
-                          <a:schemeClr val="tx1"/>
-                        </a:solidFill>
-                        <a:effectLst/>
-                        <a:latin typeface="Times New Roman" panose="02020603050405020304" pitchFamily="18" charset="0"/>
-                        <a:ea typeface="宋体" panose="02010600030101010101" pitchFamily="2" charset="-122"/>
-                        <a:cs typeface="Times New Roman" panose="02020603050405020304" pitchFamily="18" charset="0"/>
-                      </a:endParaRPr>
-                    </a:p>
-                  </a:txBody>
-                  <a:tcPr marL="68580" marR="68580" marT="0" marB="0"/>
-                </a:tc>
-                <a:tc>
-                  <a:txBody>
-                    <a:bodyPr/>
-                    <a:lstStyle/>
-                    <a:p>
-                      <a:pPr algn="just">
-                        <a:spcAft>
-                          <a:spcPts val="0"/>
-                        </a:spcAft>
-                      </a:pPr>
-                      <a:r>
-                        <a:rPr lang="zh-CN" sz="1800" kern="100" dirty="0">
-                          <a:effectLst/>
-                        </a:rPr>
-                        <a:t>单</a:t>
-                      </a:r>
-                      <a:endParaRPr lang="zh-CN" sz="1800" kern="100" dirty="0">
-                        <a:solidFill>
-                          <a:schemeClr val="tx1"/>
-                        </a:solidFill>
-                        <a:effectLst/>
-                        <a:latin typeface="Times New Roman" panose="02020603050405020304" pitchFamily="18" charset="0"/>
-                        <a:ea typeface="宋体" panose="02010600030101010101" pitchFamily="2" charset="-122"/>
-                        <a:cs typeface="Times New Roman" panose="02020603050405020304" pitchFamily="18" charset="0"/>
-                      </a:endParaRPr>
-                    </a:p>
-                  </a:txBody>
-                  <a:tcPr marL="68580" marR="68580" marT="0" marB="0"/>
-                </a:tc>
-                <a:tc>
-                  <a:txBody>
-                    <a:bodyPr/>
-                    <a:lstStyle/>
-                    <a:p>
-                      <a:pPr algn="just">
-                        <a:spcAft>
-                          <a:spcPts val="0"/>
-                        </a:spcAft>
-                      </a:pPr>
-                      <a:r>
-                        <a:rPr lang="en-US" sz="1800" kern="100" dirty="0">
-                          <a:effectLst/>
-                        </a:rPr>
-                        <a:t>1.5mW/</a:t>
-                      </a:r>
-                      <a:r>
-                        <a:rPr lang="en-US" sz="1800" kern="100" dirty="0" err="1">
-                          <a:effectLst/>
-                        </a:rPr>
-                        <a:t>ch</a:t>
-                      </a:r>
-                      <a:endParaRPr lang="zh-CN" sz="1800" kern="100" dirty="0">
-                        <a:solidFill>
-                          <a:schemeClr val="tx1"/>
-                        </a:solidFill>
-                        <a:effectLst/>
-                        <a:latin typeface="Times New Roman" panose="02020603050405020304" pitchFamily="18" charset="0"/>
-                        <a:ea typeface="宋体" panose="02010600030101010101" pitchFamily="2" charset="-122"/>
-                        <a:cs typeface="Times New Roman" panose="02020603050405020304" pitchFamily="18" charset="0"/>
-                      </a:endParaRPr>
-                    </a:p>
-                  </a:txBody>
-                  <a:tcPr marL="68580" marR="68580" marT="0" marB="0"/>
-                </a:tc>
-              </a:tr>
-              <a:tr h="367914">
-                <a:tc>
-                  <a:txBody>
-                    <a:bodyPr/>
-                    <a:lstStyle/>
-                    <a:p>
-                      <a:pPr algn="just">
-                        <a:spcAft>
-                          <a:spcPts val="0"/>
-                        </a:spcAft>
-                      </a:pPr>
-                      <a:r>
-                        <a:rPr lang="en-US" sz="1800" kern="100" dirty="0" smtClean="0">
-                          <a:effectLst/>
-                        </a:rPr>
-                        <a:t>DIRAC(2008</a:t>
-                      </a:r>
-                      <a:r>
-                        <a:rPr lang="zh-CN" altLang="en-US" sz="1800" kern="100" dirty="0" smtClean="0">
-                          <a:effectLst/>
-                        </a:rPr>
-                        <a:t>年</a:t>
-                      </a:r>
-                      <a:r>
-                        <a:rPr lang="en-US" sz="1800" kern="100" dirty="0" smtClean="0">
-                          <a:effectLst/>
-                        </a:rPr>
-                        <a:t>)</a:t>
-                      </a:r>
-                      <a:endParaRPr lang="zh-CN" sz="1800" kern="100" dirty="0">
-                        <a:solidFill>
-                          <a:schemeClr val="tx1"/>
-                        </a:solidFill>
-                        <a:effectLst/>
-                        <a:latin typeface="Times New Roman" panose="02020603050405020304" pitchFamily="18" charset="0"/>
-                        <a:ea typeface="宋体" panose="02010600030101010101" pitchFamily="2" charset="-122"/>
-                        <a:cs typeface="Times New Roman" panose="02020603050405020304" pitchFamily="18" charset="0"/>
-                      </a:endParaRPr>
-                    </a:p>
-                  </a:txBody>
-                  <a:tcPr marL="68580" marR="68580" marT="0" marB="0"/>
-                </a:tc>
-                <a:tc>
-                  <a:txBody>
-                    <a:bodyPr/>
-                    <a:lstStyle/>
-                    <a:p>
-                      <a:pPr algn="just">
-                        <a:spcAft>
-                          <a:spcPts val="0"/>
-                        </a:spcAft>
-                      </a:pPr>
-                      <a:r>
-                        <a:rPr lang="en-US" sz="1800" kern="100" dirty="0">
-                          <a:effectLst/>
-                        </a:rPr>
-                        <a:t>64</a:t>
-                      </a:r>
-                      <a:endParaRPr lang="zh-CN" sz="1800" kern="100" dirty="0">
-                        <a:solidFill>
-                          <a:schemeClr val="tx1"/>
-                        </a:solidFill>
-                        <a:effectLst/>
-                        <a:latin typeface="Times New Roman" panose="02020603050405020304" pitchFamily="18" charset="0"/>
-                        <a:ea typeface="宋体" panose="02010600030101010101" pitchFamily="2" charset="-122"/>
-                        <a:cs typeface="Times New Roman" panose="02020603050405020304" pitchFamily="18" charset="0"/>
-                      </a:endParaRPr>
-                    </a:p>
-                  </a:txBody>
-                  <a:tcPr marL="68580" marR="68580" marT="0" marB="0"/>
-                </a:tc>
-                <a:tc>
-                  <a:txBody>
-                    <a:bodyPr/>
-                    <a:lstStyle/>
-                    <a:p>
-                      <a:pPr algn="just">
-                        <a:spcAft>
-                          <a:spcPts val="0"/>
-                        </a:spcAft>
-                      </a:pPr>
-                      <a:r>
-                        <a:rPr lang="en-US" sz="1800" kern="100" dirty="0">
-                          <a:effectLst/>
-                        </a:rPr>
-                        <a:t>200fC for MPGD</a:t>
-                      </a:r>
-                      <a:endParaRPr lang="zh-CN" sz="1800" kern="100" dirty="0">
-                        <a:solidFill>
-                          <a:schemeClr val="tx1"/>
-                        </a:solidFill>
-                        <a:effectLst/>
-                        <a:latin typeface="Times New Roman" panose="02020603050405020304" pitchFamily="18" charset="0"/>
-                        <a:ea typeface="宋体" panose="02010600030101010101" pitchFamily="2" charset="-122"/>
-                        <a:cs typeface="Times New Roman" panose="02020603050405020304" pitchFamily="18" charset="0"/>
-                      </a:endParaRPr>
-                    </a:p>
-                  </a:txBody>
-                  <a:tcPr marL="68580" marR="68580" marT="0" marB="0"/>
-                </a:tc>
-                <a:tc>
-                  <a:txBody>
-                    <a:bodyPr/>
-                    <a:lstStyle/>
-                    <a:p>
-                      <a:pPr algn="just">
-                        <a:spcAft>
-                          <a:spcPts val="0"/>
-                        </a:spcAft>
-                      </a:pPr>
-                      <a:r>
-                        <a:rPr lang="zh-CN" sz="1800" kern="100">
-                          <a:effectLst/>
-                        </a:rPr>
-                        <a:t>多</a:t>
-                      </a:r>
-                      <a:endParaRPr lang="zh-CN" sz="1800" kern="100">
-                        <a:solidFill>
-                          <a:schemeClr val="tx1"/>
-                        </a:solidFill>
-                        <a:effectLst/>
-                        <a:latin typeface="Times New Roman" panose="02020603050405020304" pitchFamily="18" charset="0"/>
-                        <a:ea typeface="宋体" panose="02010600030101010101" pitchFamily="2" charset="-122"/>
-                        <a:cs typeface="Times New Roman" panose="02020603050405020304" pitchFamily="18" charset="0"/>
-                      </a:endParaRPr>
-                    </a:p>
-                  </a:txBody>
-                  <a:tcPr marL="68580" marR="68580" marT="0" marB="0"/>
-                </a:tc>
-                <a:tc>
-                  <a:txBody>
-                    <a:bodyPr/>
-                    <a:lstStyle/>
-                    <a:p>
-                      <a:pPr algn="just">
-                        <a:spcAft>
-                          <a:spcPts val="0"/>
-                        </a:spcAft>
-                      </a:pPr>
-                      <a:r>
-                        <a:rPr lang="en-US" sz="1800" kern="100" dirty="0">
-                          <a:effectLst/>
-                        </a:rPr>
-                        <a:t>1mW/</a:t>
-                      </a:r>
-                      <a:r>
-                        <a:rPr lang="en-US" sz="1800" kern="100" dirty="0" err="1">
-                          <a:effectLst/>
-                        </a:rPr>
-                        <a:t>ch</a:t>
-                      </a:r>
-                      <a:r>
-                        <a:rPr lang="en-US" sz="1800" kern="100" dirty="0">
-                          <a:effectLst/>
-                        </a:rPr>
-                        <a:t>, 10μW/</a:t>
-                      </a:r>
-                      <a:r>
-                        <a:rPr lang="en-US" sz="1800" kern="100" dirty="0" err="1">
-                          <a:effectLst/>
-                        </a:rPr>
-                        <a:t>ch</a:t>
-                      </a:r>
-                      <a:r>
-                        <a:rPr lang="en-US" sz="1800" kern="100" dirty="0">
-                          <a:effectLst/>
-                        </a:rPr>
-                        <a:t>(ILC)</a:t>
-                      </a:r>
-                      <a:endParaRPr lang="zh-CN" sz="1800" kern="100" dirty="0">
-                        <a:solidFill>
-                          <a:schemeClr val="tx1"/>
-                        </a:solidFill>
-                        <a:effectLst/>
-                        <a:latin typeface="Times New Roman" panose="02020603050405020304" pitchFamily="18" charset="0"/>
-                        <a:ea typeface="宋体" panose="02010600030101010101" pitchFamily="2" charset="-122"/>
-                        <a:cs typeface="Times New Roman" panose="02020603050405020304" pitchFamily="18" charset="0"/>
-                      </a:endParaRPr>
-                    </a:p>
-                  </a:txBody>
-                  <a:tcPr marL="68580" marR="68580" marT="0" marB="0"/>
-                </a:tc>
-              </a:tr>
-              <a:tr h="367914">
-                <a:tc>
-                  <a:txBody>
-                    <a:bodyPr/>
-                    <a:lstStyle/>
-                    <a:p>
-                      <a:pPr algn="just">
-                        <a:spcAft>
-                          <a:spcPts val="0"/>
-                        </a:spcAft>
-                      </a:pPr>
-                      <a:r>
-                        <a:rPr lang="en-US" sz="1800" kern="100" dirty="0">
-                          <a:effectLst/>
-                        </a:rPr>
-                        <a:t>HARDROC2</a:t>
-                      </a:r>
-                      <a:endParaRPr lang="zh-CN" sz="1800" kern="100" dirty="0">
-                        <a:solidFill>
-                          <a:schemeClr val="tx1"/>
-                        </a:solidFill>
-                        <a:effectLst/>
-                        <a:latin typeface="Times New Roman" panose="02020603050405020304" pitchFamily="18" charset="0"/>
-                        <a:ea typeface="宋体" panose="02010600030101010101" pitchFamily="2" charset="-122"/>
-                        <a:cs typeface="Times New Roman" panose="02020603050405020304" pitchFamily="18" charset="0"/>
-                      </a:endParaRPr>
-                    </a:p>
-                  </a:txBody>
-                  <a:tcPr marL="68580" marR="68580" marT="0" marB="0"/>
-                </a:tc>
-                <a:tc>
-                  <a:txBody>
-                    <a:bodyPr/>
-                    <a:lstStyle/>
-                    <a:p>
-                      <a:pPr algn="just">
-                        <a:spcAft>
-                          <a:spcPts val="0"/>
-                        </a:spcAft>
-                      </a:pPr>
-                      <a:r>
-                        <a:rPr lang="en-US" sz="1800" kern="100">
-                          <a:effectLst/>
-                        </a:rPr>
-                        <a:t>64</a:t>
-                      </a:r>
-                      <a:endParaRPr lang="zh-CN" sz="1800" kern="100">
-                        <a:solidFill>
-                          <a:schemeClr val="tx1"/>
-                        </a:solidFill>
-                        <a:effectLst/>
-                        <a:latin typeface="Times New Roman" panose="02020603050405020304" pitchFamily="18" charset="0"/>
-                        <a:ea typeface="宋体" panose="02010600030101010101" pitchFamily="2" charset="-122"/>
-                        <a:cs typeface="Times New Roman" panose="02020603050405020304" pitchFamily="18" charset="0"/>
-                      </a:endParaRPr>
-                    </a:p>
-                  </a:txBody>
-                  <a:tcPr marL="68580" marR="68580" marT="0" marB="0"/>
-                </a:tc>
-                <a:tc>
-                  <a:txBody>
-                    <a:bodyPr/>
-                    <a:lstStyle/>
-                    <a:p>
-                      <a:pPr algn="just">
-                        <a:spcAft>
-                          <a:spcPts val="0"/>
-                        </a:spcAft>
-                      </a:pPr>
-                      <a:r>
-                        <a:rPr lang="en-US" sz="1800" kern="100" dirty="0">
-                          <a:effectLst/>
-                        </a:rPr>
-                        <a:t>10fC~10pC</a:t>
-                      </a:r>
-                      <a:endParaRPr lang="zh-CN" sz="1800" kern="100" dirty="0">
-                        <a:solidFill>
-                          <a:schemeClr val="tx1"/>
-                        </a:solidFill>
-                        <a:effectLst/>
-                        <a:latin typeface="Times New Roman" panose="02020603050405020304" pitchFamily="18" charset="0"/>
-                        <a:ea typeface="宋体" panose="02010600030101010101" pitchFamily="2" charset="-122"/>
-                        <a:cs typeface="Times New Roman" panose="02020603050405020304" pitchFamily="18" charset="0"/>
-                      </a:endParaRPr>
-                    </a:p>
-                  </a:txBody>
-                  <a:tcPr marL="68580" marR="68580" marT="0" marB="0"/>
-                </a:tc>
-                <a:tc>
-                  <a:txBody>
-                    <a:bodyPr/>
-                    <a:lstStyle/>
-                    <a:p>
-                      <a:pPr algn="just">
-                        <a:spcAft>
-                          <a:spcPts val="0"/>
-                        </a:spcAft>
-                      </a:pPr>
-                      <a:r>
-                        <a:rPr lang="zh-CN" sz="1800" kern="100" dirty="0">
-                          <a:effectLst/>
-                        </a:rPr>
-                        <a:t>多</a:t>
-                      </a:r>
-                      <a:endParaRPr lang="zh-CN" sz="1800" kern="100" dirty="0">
-                        <a:solidFill>
-                          <a:schemeClr val="tx1"/>
-                        </a:solidFill>
-                        <a:effectLst/>
-                        <a:latin typeface="Times New Roman" panose="02020603050405020304" pitchFamily="18" charset="0"/>
-                        <a:ea typeface="宋体" panose="02010600030101010101" pitchFamily="2" charset="-122"/>
-                        <a:cs typeface="Times New Roman" panose="02020603050405020304" pitchFamily="18" charset="0"/>
-                      </a:endParaRPr>
-                    </a:p>
-                  </a:txBody>
-                  <a:tcPr marL="68580" marR="68580" marT="0" marB="0"/>
-                </a:tc>
-                <a:tc>
-                  <a:txBody>
-                    <a:bodyPr/>
-                    <a:lstStyle/>
-                    <a:p>
-                      <a:pPr algn="just">
-                        <a:spcAft>
-                          <a:spcPts val="0"/>
-                        </a:spcAft>
-                      </a:pPr>
-                      <a:r>
-                        <a:rPr lang="en-US" sz="1800" kern="100" dirty="0">
-                          <a:effectLst/>
-                        </a:rPr>
-                        <a:t>1.42mW/ch,10μW/</a:t>
-                      </a:r>
-                      <a:r>
-                        <a:rPr lang="en-US" sz="1800" kern="100" dirty="0" err="1">
-                          <a:effectLst/>
-                        </a:rPr>
-                        <a:t>ch</a:t>
-                      </a:r>
-                      <a:r>
-                        <a:rPr lang="en-US" sz="1800" kern="100" dirty="0">
-                          <a:effectLst/>
-                        </a:rPr>
-                        <a:t>(ILC)</a:t>
-                      </a:r>
-                      <a:endParaRPr lang="zh-CN" sz="1800" kern="100" dirty="0">
-                        <a:solidFill>
-                          <a:schemeClr val="tx1"/>
-                        </a:solidFill>
-                        <a:effectLst/>
-                        <a:latin typeface="Times New Roman" panose="02020603050405020304" pitchFamily="18" charset="0"/>
-                        <a:ea typeface="宋体" panose="02010600030101010101" pitchFamily="2" charset="-122"/>
-                        <a:cs typeface="Times New Roman" panose="02020603050405020304" pitchFamily="18" charset="0"/>
-                      </a:endParaRPr>
-                    </a:p>
-                  </a:txBody>
-                  <a:tcPr marL="68580" marR="68580" marT="0" marB="0"/>
-                </a:tc>
-              </a:tr>
-              <a:tr h="367914">
-                <a:tc>
-                  <a:txBody>
-                    <a:bodyPr/>
-                    <a:lstStyle/>
-                    <a:p>
-                      <a:pPr algn="just">
-                        <a:spcAft>
-                          <a:spcPts val="0"/>
-                        </a:spcAft>
-                      </a:pPr>
-                      <a:r>
-                        <a:rPr lang="en-US" sz="1800" kern="100" dirty="0">
-                          <a:effectLst/>
-                        </a:rPr>
-                        <a:t>MICROROC</a:t>
-                      </a:r>
-                      <a:endParaRPr lang="zh-CN" sz="1800" kern="100" dirty="0">
-                        <a:solidFill>
-                          <a:srgbClr val="00B050"/>
-                        </a:solidFill>
-                        <a:effectLst/>
-                        <a:latin typeface="Times New Roman" panose="02020603050405020304" pitchFamily="18" charset="0"/>
-                        <a:ea typeface="宋体" panose="02010600030101010101" pitchFamily="2" charset="-122"/>
-                        <a:cs typeface="Times New Roman" panose="02020603050405020304" pitchFamily="18" charset="0"/>
-                      </a:endParaRPr>
-                    </a:p>
-                  </a:txBody>
-                  <a:tcPr marL="68580" marR="68580" marT="0" marB="0"/>
-                </a:tc>
-                <a:tc>
-                  <a:txBody>
-                    <a:bodyPr/>
-                    <a:lstStyle/>
-                    <a:p>
-                      <a:pPr algn="just">
-                        <a:spcAft>
-                          <a:spcPts val="0"/>
-                        </a:spcAft>
-                      </a:pPr>
-                      <a:r>
-                        <a:rPr lang="en-US" sz="1800" kern="100">
-                          <a:effectLst/>
-                        </a:rPr>
-                        <a:t>64</a:t>
-                      </a:r>
-                      <a:endParaRPr lang="zh-CN" sz="1800" kern="100">
-                        <a:solidFill>
-                          <a:srgbClr val="00B050"/>
-                        </a:solidFill>
-                        <a:effectLst/>
-                        <a:latin typeface="Times New Roman" panose="02020603050405020304" pitchFamily="18" charset="0"/>
-                        <a:ea typeface="宋体" panose="02010600030101010101" pitchFamily="2" charset="-122"/>
-                        <a:cs typeface="Times New Roman" panose="02020603050405020304" pitchFamily="18" charset="0"/>
-                      </a:endParaRPr>
-                    </a:p>
-                  </a:txBody>
-                  <a:tcPr marL="68580" marR="68580" marT="0" marB="0"/>
-                </a:tc>
-                <a:tc>
-                  <a:txBody>
-                    <a:bodyPr/>
-                    <a:lstStyle/>
-                    <a:p>
-                      <a:pPr algn="just">
-                        <a:spcAft>
-                          <a:spcPts val="0"/>
-                        </a:spcAft>
-                      </a:pPr>
-                      <a:r>
-                        <a:rPr lang="en-US" sz="1800" kern="100" dirty="0">
-                          <a:effectLst/>
-                        </a:rPr>
-                        <a:t>1fC~500fC</a:t>
-                      </a:r>
-                      <a:endParaRPr lang="zh-CN" sz="1800" kern="100" dirty="0">
-                        <a:solidFill>
-                          <a:srgbClr val="00B050"/>
-                        </a:solidFill>
-                        <a:effectLst/>
-                        <a:latin typeface="Times New Roman" panose="02020603050405020304" pitchFamily="18" charset="0"/>
-                        <a:ea typeface="宋体" panose="02010600030101010101" pitchFamily="2" charset="-122"/>
-                        <a:cs typeface="Times New Roman" panose="02020603050405020304" pitchFamily="18" charset="0"/>
-                      </a:endParaRPr>
-                    </a:p>
-                  </a:txBody>
-                  <a:tcPr marL="68580" marR="68580" marT="0" marB="0"/>
-                </a:tc>
-                <a:tc>
-                  <a:txBody>
-                    <a:bodyPr/>
-                    <a:lstStyle/>
-                    <a:p>
-                      <a:pPr algn="just">
-                        <a:spcAft>
-                          <a:spcPts val="0"/>
-                        </a:spcAft>
-                      </a:pPr>
-                      <a:r>
-                        <a:rPr lang="zh-CN" sz="1800" kern="100" dirty="0">
-                          <a:effectLst/>
-                        </a:rPr>
-                        <a:t>多</a:t>
-                      </a:r>
-                      <a:endParaRPr lang="zh-CN" sz="1800" kern="100" dirty="0">
-                        <a:solidFill>
-                          <a:srgbClr val="00B050"/>
-                        </a:solidFill>
-                        <a:effectLst/>
-                        <a:latin typeface="Times New Roman" panose="02020603050405020304" pitchFamily="18" charset="0"/>
-                        <a:ea typeface="宋体" panose="02010600030101010101" pitchFamily="2" charset="-122"/>
-                        <a:cs typeface="Times New Roman" panose="02020603050405020304" pitchFamily="18" charset="0"/>
-                      </a:endParaRPr>
-                    </a:p>
-                  </a:txBody>
-                  <a:tcPr marL="68580" marR="68580" marT="0" marB="0"/>
-                </a:tc>
-                <a:tc>
-                  <a:txBody>
-                    <a:bodyPr/>
-                    <a:lstStyle/>
-                    <a:p>
-                      <a:pPr algn="just">
-                        <a:spcAft>
-                          <a:spcPts val="0"/>
-                        </a:spcAft>
-                      </a:pPr>
-                      <a:r>
-                        <a:rPr lang="en-US" sz="1800" kern="100" dirty="0">
-                          <a:effectLst/>
-                        </a:rPr>
-                        <a:t>335μW/</a:t>
-                      </a:r>
-                      <a:r>
-                        <a:rPr lang="en-US" sz="1800" kern="100" dirty="0" err="1">
-                          <a:effectLst/>
-                        </a:rPr>
-                        <a:t>ch</a:t>
-                      </a:r>
-                      <a:r>
-                        <a:rPr lang="zh-CN" sz="1800" kern="100" dirty="0">
-                          <a:effectLst/>
-                        </a:rPr>
-                        <a:t>，</a:t>
-                      </a:r>
-                      <a:r>
-                        <a:rPr lang="en-US" sz="1800" kern="100" dirty="0">
-                          <a:effectLst/>
-                        </a:rPr>
-                        <a:t>10μW/</a:t>
-                      </a:r>
-                      <a:r>
-                        <a:rPr lang="en-US" sz="1800" kern="100" dirty="0" err="1">
-                          <a:effectLst/>
-                        </a:rPr>
-                        <a:t>ch</a:t>
-                      </a:r>
-                      <a:r>
-                        <a:rPr lang="en-US" sz="1800" kern="100" dirty="0">
-                          <a:effectLst/>
-                        </a:rPr>
-                        <a:t> (ILC)</a:t>
-                      </a:r>
-                      <a:endParaRPr lang="zh-CN" sz="1800" kern="100" dirty="0">
-                        <a:solidFill>
-                          <a:srgbClr val="00B050"/>
-                        </a:solidFill>
-                        <a:effectLst/>
-                        <a:latin typeface="Times New Roman" panose="02020603050405020304" pitchFamily="18" charset="0"/>
-                        <a:ea typeface="宋体" panose="02010600030101010101" pitchFamily="2" charset="-122"/>
-                        <a:cs typeface="Times New Roman" panose="02020603050405020304" pitchFamily="18" charset="0"/>
-                      </a:endParaRPr>
-                    </a:p>
-                  </a:txBody>
-                  <a:tcPr marL="68580" marR="68580" marT="0" marB="0"/>
-                </a:tc>
-              </a:tr>
-            </a:tbl>
-          </a:graphicData>
-        </a:graphic>
-      </p:graphicFrame>
+            <a:endParaRPr lang="zh-CN" altLang="en-US" dirty="0"/>
+          </a:p>
+        </p:txBody>
+      </p:sp>
     </p:spTree>
     <p:extLst>
       <p:ext uri="{BB962C8B-B14F-4D97-AF65-F5344CB8AC3E}">
-        <p14:creationId xmlns:p14="http://schemas.microsoft.com/office/powerpoint/2010/main" val="2822349565"/>
+        <p14:creationId xmlns:p14="http://schemas.microsoft.com/office/powerpoint/2010/main" val="1770751757"/>
       </p:ext>
     </p:extLst>
   </p:cSld>
@@ -5859,8 +5293,8 @@
           <a:lstStyle/>
           <a:p>
             <a:r>
-              <a:rPr lang="en-US" altLang="zh-CN" dirty="0" smtClean="0"/>
-              <a:t>Back Up</a:t>
+              <a:rPr lang="zh-CN" altLang="en-US" dirty="0" smtClean="0"/>
+              <a:t>下一步改板计划</a:t>
             </a:r>
             <a:endParaRPr lang="zh-CN" altLang="en-US" dirty="0"/>
           </a:p>
@@ -5868,7 +5302,7 @@
       </p:sp>
       <p:sp>
         <p:nvSpPr>
-          <p:cNvPr id="7" name="内容占位符 6"/>
+          <p:cNvPr id="3" name="内容占位符 2"/>
           <p:cNvSpPr>
             <a:spLocks noGrp="1"/>
           </p:cNvSpPr>
@@ -5882,68 +5316,205 @@
           <a:lstStyle/>
           <a:p>
             <a:r>
-              <a:rPr lang="en-US" altLang="zh-CN" sz="2400" dirty="0"/>
-              <a:t>AHG University(</a:t>
-            </a:r>
-            <a:r>
-              <a:rPr lang="zh-CN" altLang="en-US" sz="2400" dirty="0"/>
-              <a:t>波兰</a:t>
-            </a:r>
-            <a:r>
-              <a:rPr lang="en-US" altLang="zh-CN" sz="2400" dirty="0" smtClean="0"/>
-              <a:t>)</a:t>
-            </a:r>
-            <a:r>
-              <a:rPr lang="zh-CN" altLang="en-US" sz="2400" dirty="0" smtClean="0"/>
-              <a:t>有</a:t>
-            </a:r>
-            <a:r>
-              <a:rPr lang="zh-CN" altLang="en-US" sz="2400" dirty="0"/>
-              <a:t>一款名为</a:t>
-            </a:r>
-            <a:r>
-              <a:rPr lang="en-US" altLang="zh-CN" sz="2400" dirty="0"/>
-              <a:t>GEMROC</a:t>
-            </a:r>
-            <a:r>
-              <a:rPr lang="zh-CN" altLang="en-US" sz="2400" dirty="0"/>
-              <a:t>的</a:t>
-            </a:r>
-            <a:r>
-              <a:rPr lang="en-US" altLang="zh-CN" sz="2400" dirty="0"/>
-              <a:t>ASIC</a:t>
-            </a:r>
-            <a:endParaRPr lang="zh-CN" altLang="en-US" sz="2400" dirty="0"/>
-          </a:p>
-          <a:p>
+              <a:rPr lang="en-US" altLang="zh-CN" dirty="0" smtClean="0"/>
+              <a:t>DIF</a:t>
+            </a:r>
+            <a:r>
+              <a:rPr lang="zh-CN" altLang="en-US" dirty="0" smtClean="0"/>
+              <a:t>板</a:t>
+            </a:r>
+            <a:endParaRPr lang="en-US" altLang="zh-CN" dirty="0" smtClean="0"/>
+          </a:p>
+          <a:p>
+            <a:pPr lvl="1"/>
+            <a:r>
+              <a:rPr lang="zh-CN" altLang="en-US" dirty="0" smtClean="0"/>
+              <a:t>采用和现在相同的</a:t>
+            </a:r>
+            <a:r>
+              <a:rPr lang="en-US" altLang="zh-CN" dirty="0" smtClean="0"/>
+              <a:t>A7</a:t>
+            </a:r>
+            <a:r>
+              <a:rPr lang="zh-CN" altLang="en-US" dirty="0" smtClean="0"/>
+              <a:t>系列</a:t>
+            </a:r>
+            <a:r>
+              <a:rPr lang="en-US" altLang="zh-CN" dirty="0" smtClean="0"/>
+              <a:t>FPGA</a:t>
+            </a:r>
+          </a:p>
+          <a:p>
+            <a:pPr lvl="1"/>
+            <a:r>
+              <a:rPr lang="zh-CN" altLang="en-US" dirty="0" smtClean="0"/>
+              <a:t>连接器采用</a:t>
+            </a:r>
+            <a:r>
+              <a:rPr lang="en-US" altLang="zh-CN" dirty="0" err="1" smtClean="0"/>
+              <a:t>PandaX</a:t>
+            </a:r>
+            <a:r>
+              <a:rPr lang="en-US" altLang="zh-CN" dirty="0" smtClean="0"/>
+              <a:t> III</a:t>
+            </a:r>
+            <a:r>
+              <a:rPr lang="zh-CN" altLang="en-US" dirty="0" smtClean="0"/>
+              <a:t>的表贴连接器</a:t>
+            </a:r>
+            <a:endParaRPr lang="en-US" altLang="zh-CN" dirty="0" smtClean="0"/>
+          </a:p>
+          <a:p>
+            <a:pPr lvl="1"/>
+            <a:r>
+              <a:rPr lang="zh-CN" altLang="en-US" dirty="0" smtClean="0"/>
+              <a:t>和</a:t>
+            </a:r>
+            <a:r>
+              <a:rPr lang="en-US" altLang="zh-CN" dirty="0" smtClean="0"/>
+              <a:t>DAQ</a:t>
+            </a:r>
+            <a:r>
+              <a:rPr lang="zh-CN" altLang="en-US" dirty="0" smtClean="0"/>
+              <a:t>板通讯采用</a:t>
+            </a:r>
+            <a:r>
+              <a:rPr lang="en-US" altLang="zh-CN" dirty="0" smtClean="0"/>
+              <a:t>USB Type C</a:t>
+            </a:r>
+            <a:r>
+              <a:rPr lang="zh-CN" altLang="en-US" dirty="0" smtClean="0"/>
+              <a:t>接口</a:t>
+            </a:r>
+            <a:endParaRPr lang="en-US" altLang="zh-CN" dirty="0" smtClean="0"/>
+          </a:p>
+          <a:p>
+            <a:pPr lvl="2"/>
+            <a:r>
+              <a:rPr lang="zh-CN" altLang="en-US" dirty="0" smtClean="0"/>
+              <a:t>两</a:t>
+            </a:r>
+            <a:r>
+              <a:rPr lang="zh-CN" altLang="en-US" dirty="0"/>
+              <a:t>个</a:t>
+            </a:r>
+            <a:r>
+              <a:rPr lang="en-US" altLang="zh-CN" dirty="0" smtClean="0"/>
+              <a:t>Type C</a:t>
+            </a:r>
+            <a:r>
+              <a:rPr lang="zh-CN" altLang="en-US" dirty="0" smtClean="0"/>
+              <a:t>共</a:t>
+            </a:r>
+            <a:r>
+              <a:rPr lang="en-US" altLang="zh-CN" dirty="0" smtClean="0"/>
+              <a:t>6</a:t>
+            </a:r>
+            <a:r>
+              <a:rPr lang="zh-CN" altLang="en-US" dirty="0" smtClean="0"/>
+              <a:t>对</a:t>
+            </a:r>
+            <a:r>
+              <a:rPr lang="en-US" altLang="zh-CN" dirty="0" smtClean="0"/>
+              <a:t>LVDS</a:t>
+            </a:r>
+          </a:p>
+          <a:p>
+            <a:pPr lvl="1"/>
+            <a:r>
+              <a:rPr lang="zh-CN" altLang="en-US" dirty="0" smtClean="0"/>
+              <a:t>保留光纤接口兼容</a:t>
+            </a:r>
+            <a:r>
+              <a:rPr lang="en-US" altLang="zh-CN" dirty="0" smtClean="0"/>
+              <a:t>FELIX</a:t>
+            </a:r>
+          </a:p>
+          <a:p>
+            <a:pPr lvl="1"/>
+            <a:r>
+              <a:rPr lang="en-US" altLang="zh-CN" dirty="0" smtClean="0"/>
+              <a:t>Cy68013</a:t>
+            </a:r>
+            <a:r>
+              <a:rPr lang="zh-CN" altLang="en-US" dirty="0" smtClean="0"/>
+              <a:t>用作调试用</a:t>
+            </a:r>
+            <a:endParaRPr lang="en-US" altLang="zh-CN" dirty="0" smtClean="0"/>
+          </a:p>
+          <a:p>
+            <a:pPr lvl="1"/>
+            <a:r>
+              <a:rPr lang="en-US" altLang="zh-CN" dirty="0" smtClean="0"/>
+              <a:t>ADC</a:t>
+            </a:r>
+            <a:r>
+              <a:rPr lang="zh-CN" altLang="en-US" dirty="0" smtClean="0"/>
+              <a:t>用来采峰保信号</a:t>
+            </a:r>
+            <a:endParaRPr lang="en-US" altLang="zh-CN" dirty="0" smtClean="0"/>
+          </a:p>
+          <a:p>
+            <a:pPr lvl="1"/>
+            <a:r>
+              <a:rPr lang="en-US" altLang="zh-CN" dirty="0" smtClean="0"/>
+              <a:t>DIF</a:t>
+            </a:r>
+            <a:r>
+              <a:rPr lang="zh-CN" altLang="en-US" dirty="0" smtClean="0"/>
+              <a:t>板和探测器采用柔性版连接</a:t>
+            </a:r>
             <a:endParaRPr lang="zh-CN" altLang="en-US" dirty="0"/>
           </a:p>
         </p:txBody>
       </p:sp>
       <p:pic>
         <p:nvPicPr>
-          <p:cNvPr id="9" name="图片 8"/>
+          <p:cNvPr id="4" name="图片 3"/>
           <p:cNvPicPr>
             <a:picLocks noChangeAspect="1"/>
           </p:cNvPicPr>
           <p:nvPr/>
         </p:nvPicPr>
         <p:blipFill>
-          <a:blip r:embed="rId2">
+          <a:blip r:embed="rId2"/>
+          <a:stretch>
+            <a:fillRect/>
+          </a:stretch>
+        </p:blipFill>
+        <p:spPr>
+          <a:xfrm>
+            <a:off x="6741800" y="2576463"/>
+            <a:ext cx="2168775" cy="2045734"/>
+          </a:xfrm>
+          <a:prstGeom prst="rect">
+            <a:avLst/>
+          </a:prstGeom>
+        </p:spPr>
+      </p:pic>
+      <p:pic>
+        <p:nvPicPr>
+          <p:cNvPr id="5" name="图片 4"/>
+          <p:cNvPicPr>
+            <a:picLocks noChangeAspect="1"/>
+          </p:cNvPicPr>
+          <p:nvPr/>
+        </p:nvPicPr>
+        <p:blipFill rotWithShape="1">
+          <a:blip r:embed="rId3">
             <a:extLst>
               <a:ext uri="{28A0092B-C50C-407E-A947-70E740481C1C}">
                 <a14:useLocalDpi xmlns:a14="http://schemas.microsoft.com/office/drawing/2010/main" val="0"/>
               </a:ext>
             </a:extLst>
           </a:blip>
-          <a:stretch>
-            <a:fillRect/>
-          </a:stretch>
+          <a:srcRect l="19902" t="44706" r="15686" b="39869"/>
+          <a:stretch/>
         </p:blipFill>
         <p:spPr>
           <a:xfrm>
-            <a:off x="1351363" y="1818000"/>
-            <a:ext cx="6729269" cy="5040000"/>
+            <a:off x="5154706" y="5470371"/>
+            <a:ext cx="3600000" cy="646576"/>
           </a:xfrm>
           <a:prstGeom prst="rect">
             <a:avLst/>
@@ -5953,7 +5524,7 @@
     </p:spTree>
     <p:extLst>
       <p:ext uri="{BB962C8B-B14F-4D97-AF65-F5344CB8AC3E}">
-        <p14:creationId xmlns:p14="http://schemas.microsoft.com/office/powerpoint/2010/main" val="2149979905"/>
+        <p14:creationId xmlns:p14="http://schemas.microsoft.com/office/powerpoint/2010/main" val="2792107965"/>
       </p:ext>
     </p:extLst>
   </p:cSld>
